--- a/PPTs/ProgramacionII_Clase_10-2018.pptx
+++ b/PPTs/ProgramacionII_Clase_10-2018.pptx
@@ -125,6 +125,11 @@
       </a:defRPr>
     </a:lvl9pPr>
   </p:defaultTextStyle>
+  <p:extLst>
+    <p:ext uri="{EFAFB233-063F-42B5-8137-9DF3F51BA10A}">
+      <p15:sldGuideLst xmlns:p15="http://schemas.microsoft.com/office/powerpoint/2012/main"/>
+    </p:ext>
+  </p:extLst>
 </p:presentation>
 </file>
 
@@ -210,7 +215,7 @@
           <a:p>
             <a:fld id="{CCACF5A1-7446-44A0-B97C-0997BD9FD97A}" type="datetimeFigureOut">
               <a:rPr lang="es-AR" smtClean="0"/>
-              <a:t>11/09/2018</a:t>
+              <a:t>22/9/2021</a:t>
             </a:fld>
             <a:endParaRPr lang="es-AR"/>
           </a:p>
@@ -274,35 +279,35 @@
           <a:p>
             <a:pPr lvl="0"/>
             <a:r>
-              <a:rPr lang="es-ES" smtClean="0"/>
+              <a:rPr lang="es-ES"/>
               <a:t>Haga clic para modificar el estilo de texto del patrón</a:t>
             </a:r>
           </a:p>
           <a:p>
             <a:pPr lvl="1"/>
             <a:r>
-              <a:rPr lang="es-ES" smtClean="0"/>
+              <a:rPr lang="es-ES"/>
               <a:t>Segundo nivel</a:t>
             </a:r>
           </a:p>
           <a:p>
             <a:pPr lvl="2"/>
             <a:r>
-              <a:rPr lang="es-ES" smtClean="0"/>
+              <a:rPr lang="es-ES"/>
               <a:t>Tercer nivel</a:t>
             </a:r>
           </a:p>
           <a:p>
             <a:pPr lvl="3"/>
             <a:r>
-              <a:rPr lang="es-ES" smtClean="0"/>
+              <a:rPr lang="es-ES"/>
               <a:t>Cuarto nivel</a:t>
             </a:r>
           </a:p>
           <a:p>
             <a:pPr lvl="4"/>
             <a:r>
-              <a:rPr lang="es-ES" smtClean="0"/>
+              <a:rPr lang="es-ES"/>
               <a:t>Quinto nivel</a:t>
             </a:r>
             <a:endParaRPr lang="es-AR"/>
@@ -524,13 +529,13 @@
           <a:p>
             <a:pPr eaLnBrk="1" hangingPunct="1"/>
             <a:r>
-              <a:rPr lang="en-US" altLang="es-AR" dirty="0" err="1" smtClean="0">
+              <a:rPr lang="en-US" altLang="es-AR" dirty="0" err="1">
                 <a:latin typeface="Arial" panose="020B0604020202020204" pitchFamily="34" charset="0"/>
               </a:rPr>
               <a:t>a.F</a:t>
             </a:r>
             <a:r>
-              <a:rPr lang="en-US" altLang="es-AR" dirty="0" smtClean="0">
+              <a:rPr lang="en-US" altLang="es-AR" dirty="0">
                 <a:latin typeface="Arial" panose="020B0604020202020204" pitchFamily="34" charset="0"/>
               </a:rPr>
               <a:t>() =&gt; A.F</a:t>
@@ -539,13 +544,13 @@
           <a:p>
             <a:pPr eaLnBrk="1" hangingPunct="1"/>
             <a:r>
-              <a:rPr lang="en-US" altLang="es-AR" dirty="0" err="1" smtClean="0">
+              <a:rPr lang="en-US" altLang="es-AR" dirty="0" err="1">
                 <a:latin typeface="Arial" panose="020B0604020202020204" pitchFamily="34" charset="0"/>
               </a:rPr>
               <a:t>b.F</a:t>
             </a:r>
             <a:r>
-              <a:rPr lang="en-US" altLang="es-AR" dirty="0" smtClean="0">
+              <a:rPr lang="en-US" altLang="es-AR" dirty="0">
                 <a:latin typeface="Arial" panose="020B0604020202020204" pitchFamily="34" charset="0"/>
               </a:rPr>
               <a:t>() =&gt; B.F</a:t>
@@ -554,13 +559,13 @@
           <a:p>
             <a:pPr eaLnBrk="1" hangingPunct="1"/>
             <a:r>
-              <a:rPr lang="en-US" altLang="es-AR" dirty="0" err="1" smtClean="0">
+              <a:rPr lang="en-US" altLang="es-AR" dirty="0" err="1">
                 <a:latin typeface="Arial" panose="020B0604020202020204" pitchFamily="34" charset="0"/>
               </a:rPr>
               <a:t>a.G</a:t>
             </a:r>
             <a:r>
-              <a:rPr lang="en-US" altLang="es-AR" dirty="0" smtClean="0">
+              <a:rPr lang="en-US" altLang="es-AR" dirty="0">
                 <a:latin typeface="Arial" panose="020B0604020202020204" pitchFamily="34" charset="0"/>
               </a:rPr>
               <a:t>() =&gt; B.G</a:t>
@@ -569,13 +574,13 @@
           <a:p>
             <a:pPr eaLnBrk="1" hangingPunct="1"/>
             <a:r>
-              <a:rPr lang="en-US" altLang="es-AR" dirty="0" err="1" smtClean="0">
+              <a:rPr lang="en-US" altLang="es-AR" dirty="0" err="1">
                 <a:latin typeface="Arial" panose="020B0604020202020204" pitchFamily="34" charset="0"/>
               </a:rPr>
               <a:t>b.G</a:t>
             </a:r>
             <a:r>
-              <a:rPr lang="en-US" altLang="es-AR" smtClean="0">
+              <a:rPr lang="en-US" altLang="es-AR">
                 <a:latin typeface="Arial" panose="020B0604020202020204" pitchFamily="34" charset="0"/>
               </a:rPr>
               <a:t>() =&gt; B.G</a:t>
@@ -802,7 +807,7 @@
           </a:lstStyle>
           <a:p>
             <a:r>
-              <a:rPr lang="es-ES" smtClean="0"/>
+              <a:rPr lang="es-ES"/>
               <a:t>Haga clic para modificar el estilo de título del patrón</a:t>
             </a:r>
             <a:endParaRPr lang="en-US" dirty="0"/>
@@ -869,7 +874,7 @@
           </a:lstStyle>
           <a:p>
             <a:r>
-              <a:rPr lang="es-ES" smtClean="0"/>
+              <a:rPr lang="es-ES"/>
               <a:t>Haga clic para modificar el estilo de subtítulo del patrón</a:t>
             </a:r>
             <a:endParaRPr lang="en-US" dirty="0"/>
@@ -893,7 +898,7 @@
           <a:p>
             <a:fld id="{78ABE3C1-DBE1-495D-B57B-2849774B866A}" type="datetimeFigureOut">
               <a:rPr lang="en-US" dirty="0"/>
-              <a:t>9/11/2018</a:t>
+              <a:t>9/22/2021</a:t>
             </a:fld>
             <a:endParaRPr lang="en-US" dirty="0"/>
           </a:p>
@@ -1137,7 +1142,7 @@
           </a:lstStyle>
           <a:p>
             <a:r>
-              <a:rPr lang="es-ES" smtClean="0"/>
+              <a:rPr lang="es-ES"/>
               <a:t>Haga clic para modificar el estilo de título del patrón</a:t>
             </a:r>
             <a:endParaRPr lang="en-US" dirty="0"/>
@@ -1213,7 +1218,7 @@
           </a:lstStyle>
           <a:p>
             <a:r>
-              <a:rPr lang="es-ES" smtClean="0"/>
+              <a:rPr lang="es-ES"/>
               <a:t>Haga clic en el icono para agregar una imagen</a:t>
             </a:r>
             <a:endParaRPr lang="en-US" dirty="0"/>
@@ -1279,7 +1284,7 @@
           <a:p>
             <a:pPr lvl="0"/>
             <a:r>
-              <a:rPr lang="es-ES" smtClean="0"/>
+              <a:rPr lang="es-ES"/>
               <a:t>Haga clic para modificar el estilo de texto del patrón</a:t>
             </a:r>
           </a:p>
@@ -1302,7 +1307,7 @@
           <a:p>
             <a:fld id="{446C117F-5CCF-4837-BE5F-2B92066CAFAF}" type="datetimeFigureOut">
               <a:rPr lang="en-US" dirty="0"/>
-              <a:t>9/11/2018</a:t>
+              <a:t>9/22/2021</a:t>
             </a:fld>
             <a:endParaRPr lang="en-US" dirty="0"/>
           </a:p>
@@ -1544,7 +1549,7 @@
           </a:lstStyle>
           <a:p>
             <a:r>
-              <a:rPr lang="es-ES" smtClean="0"/>
+              <a:rPr lang="es-ES"/>
               <a:t>Haga clic para modificar el estilo de título del patrón</a:t>
             </a:r>
             <a:endParaRPr lang="en-US" dirty="0"/>
@@ -1610,7 +1615,7 @@
           <a:p>
             <a:pPr lvl="0"/>
             <a:r>
-              <a:rPr lang="es-ES" smtClean="0"/>
+              <a:rPr lang="es-ES"/>
               <a:t>Haga clic para modificar el estilo de texto del patrón</a:t>
             </a:r>
           </a:p>
@@ -1633,7 +1638,7 @@
           <a:p>
             <a:fld id="{84EB90BD-B6CE-46B7-997F-7313B992CCDC}" type="datetimeFigureOut">
               <a:rPr lang="en-US" dirty="0"/>
-              <a:t>9/11/2018</a:t>
+              <a:t>9/22/2021</a:t>
             </a:fld>
             <a:endParaRPr lang="en-US" dirty="0"/>
           </a:p>
@@ -1875,7 +1880,7 @@
           </a:lstStyle>
           <a:p>
             <a:r>
-              <a:rPr lang="es-ES" smtClean="0"/>
+              <a:rPr lang="es-ES"/>
               <a:t>Haga clic para modificar el estilo de título del patrón</a:t>
             </a:r>
             <a:endParaRPr lang="en-US" dirty="0"/>
@@ -1943,7 +1948,7 @@
           <a:p>
             <a:pPr lvl="0"/>
             <a:r>
-              <a:rPr lang="es-ES" smtClean="0"/>
+              <a:rPr lang="es-ES"/>
               <a:t>Haga clic para modificar el estilo de texto del patrón</a:t>
             </a:r>
           </a:p>
@@ -2010,7 +2015,7 @@
           <a:p>
             <a:pPr lvl="0"/>
             <a:r>
-              <a:rPr lang="es-ES" smtClean="0"/>
+              <a:rPr lang="es-ES"/>
               <a:t>Haga clic para modificar el estilo de texto del patrón</a:t>
             </a:r>
           </a:p>
@@ -2033,7 +2038,7 @@
           <a:p>
             <a:fld id="{CDB9D11F-B188-461D-B23F-39381795C052}" type="datetimeFigureOut">
               <a:rPr lang="en-US" dirty="0"/>
-              <a:t>9/11/2018</a:t>
+              <a:t>9/22/2021</a:t>
             </a:fld>
             <a:endParaRPr lang="en-US" dirty="0"/>
           </a:p>
@@ -2507,7 +2512,7 @@
           </a:lstStyle>
           <a:p>
             <a:r>
-              <a:rPr lang="es-ES" smtClean="0"/>
+              <a:rPr lang="es-ES"/>
               <a:t>Haga clic para modificar el estilo de título del patrón</a:t>
             </a:r>
             <a:endParaRPr lang="en-US" dirty="0"/>
@@ -2573,7 +2578,7 @@
           <a:p>
             <a:pPr lvl="0"/>
             <a:r>
-              <a:rPr lang="es-ES" smtClean="0"/>
+              <a:rPr lang="es-ES"/>
               <a:t>Haga clic para modificar el estilo de texto del patrón</a:t>
             </a:r>
           </a:p>
@@ -2596,7 +2601,7 @@
           <a:p>
             <a:fld id="{52E6D8D9-55A2-4063-B0F3-121F44549695}" type="datetimeFigureOut">
               <a:rPr lang="en-US" dirty="0"/>
-              <a:t>9/11/2018</a:t>
+              <a:t>9/22/2021</a:t>
             </a:fld>
             <a:endParaRPr lang="en-US" dirty="0"/>
           </a:p>
@@ -2834,7 +2839,7 @@
           <a:lstStyle/>
           <a:p>
             <a:r>
-              <a:rPr lang="es-ES" smtClean="0"/>
+              <a:rPr lang="es-ES"/>
               <a:t>Haga clic para modificar el estilo de título del patrón</a:t>
             </a:r>
             <a:endParaRPr lang="en-US" dirty="0"/>
@@ -2906,7 +2911,7 @@
           <a:p>
             <a:pPr lvl="0"/>
             <a:r>
-              <a:rPr lang="es-ES" smtClean="0"/>
+              <a:rPr lang="es-ES"/>
               <a:t>Haga clic para modificar el estilo de texto del patrón</a:t>
             </a:r>
           </a:p>
@@ -2973,7 +2978,7 @@
           <a:p>
             <a:pPr lvl="0"/>
             <a:r>
-              <a:rPr lang="es-ES" smtClean="0"/>
+              <a:rPr lang="es-ES"/>
               <a:t>Haga clic para modificar el estilo de texto del patrón</a:t>
             </a:r>
           </a:p>
@@ -3044,7 +3049,7 @@
           <a:p>
             <a:pPr lvl="0"/>
             <a:r>
-              <a:rPr lang="es-ES" smtClean="0"/>
+              <a:rPr lang="es-ES"/>
               <a:t>Haga clic para modificar el estilo de texto del patrón</a:t>
             </a:r>
           </a:p>
@@ -3111,7 +3116,7 @@
           <a:p>
             <a:pPr lvl="0"/>
             <a:r>
-              <a:rPr lang="es-ES" smtClean="0"/>
+              <a:rPr lang="es-ES"/>
               <a:t>Haga clic para modificar el estilo de texto del patrón</a:t>
             </a:r>
           </a:p>
@@ -3182,7 +3187,7 @@
           <a:p>
             <a:pPr lvl="0"/>
             <a:r>
-              <a:rPr lang="es-ES" smtClean="0"/>
+              <a:rPr lang="es-ES"/>
               <a:t>Haga clic para modificar el estilo de texto del patrón</a:t>
             </a:r>
           </a:p>
@@ -3249,7 +3254,7 @@
           <a:p>
             <a:pPr lvl="0"/>
             <a:r>
-              <a:rPr lang="es-ES" smtClean="0"/>
+              <a:rPr lang="es-ES"/>
               <a:t>Haga clic para modificar el estilo de texto del patrón</a:t>
             </a:r>
           </a:p>
@@ -3272,7 +3277,7 @@
           <a:p>
             <a:fld id="{D4B24536-994D-4021-A283-9F449C0DB509}" type="datetimeFigureOut">
               <a:rPr lang="en-US" dirty="0"/>
-              <a:t>9/11/2018</a:t>
+              <a:t>9/22/2021</a:t>
             </a:fld>
             <a:endParaRPr lang="en-US" dirty="0"/>
           </a:p>
@@ -3505,7 +3510,7 @@
           <a:lstStyle/>
           <a:p>
             <a:r>
-              <a:rPr lang="es-ES" smtClean="0"/>
+              <a:rPr lang="es-ES"/>
               <a:t>Haga clic para modificar el estilo de título del patrón</a:t>
             </a:r>
             <a:endParaRPr lang="en-US" dirty="0"/>
@@ -3577,7 +3582,7 @@
           <a:p>
             <a:pPr lvl="0"/>
             <a:r>
-              <a:rPr lang="es-ES" smtClean="0"/>
+              <a:rPr lang="es-ES"/>
               <a:t>Haga clic para modificar el estilo de texto del patrón</a:t>
             </a:r>
           </a:p>
@@ -3655,7 +3660,7 @@
           </a:lstStyle>
           <a:p>
             <a:r>
-              <a:rPr lang="es-ES" smtClean="0"/>
+              <a:rPr lang="es-ES"/>
               <a:t>Haga clic en el icono para agregar una imagen</a:t>
             </a:r>
             <a:endParaRPr lang="en-US" dirty="0"/>
@@ -3723,7 +3728,7 @@
           <a:p>
             <a:pPr lvl="0"/>
             <a:r>
-              <a:rPr lang="es-ES" smtClean="0"/>
+              <a:rPr lang="es-ES"/>
               <a:t>Haga clic para modificar el estilo de texto del patrón</a:t>
             </a:r>
           </a:p>
@@ -3794,7 +3799,7 @@
           <a:p>
             <a:pPr lvl="0"/>
             <a:r>
-              <a:rPr lang="es-ES" smtClean="0"/>
+              <a:rPr lang="es-ES"/>
               <a:t>Haga clic para modificar el estilo de texto del patrón</a:t>
             </a:r>
           </a:p>
@@ -3872,7 +3877,7 @@
           </a:lstStyle>
           <a:p>
             <a:r>
-              <a:rPr lang="es-ES" smtClean="0"/>
+              <a:rPr lang="es-ES"/>
               <a:t>Haga clic en el icono para agregar una imagen</a:t>
             </a:r>
             <a:endParaRPr lang="en-US" dirty="0"/>
@@ -3940,7 +3945,7 @@
           <a:p>
             <a:pPr lvl="0"/>
             <a:r>
-              <a:rPr lang="es-ES" smtClean="0"/>
+              <a:rPr lang="es-ES"/>
               <a:t>Haga clic para modificar el estilo de texto del patrón</a:t>
             </a:r>
           </a:p>
@@ -4011,7 +4016,7 @@
           <a:p>
             <a:pPr lvl="0"/>
             <a:r>
-              <a:rPr lang="es-ES" smtClean="0"/>
+              <a:rPr lang="es-ES"/>
               <a:t>Haga clic para modificar el estilo de texto del patrón</a:t>
             </a:r>
           </a:p>
@@ -4089,7 +4094,7 @@
           </a:lstStyle>
           <a:p>
             <a:r>
-              <a:rPr lang="es-ES" smtClean="0"/>
+              <a:rPr lang="es-ES"/>
               <a:t>Haga clic en el icono para agregar una imagen</a:t>
             </a:r>
             <a:endParaRPr lang="en-US" dirty="0"/>
@@ -4157,7 +4162,7 @@
           <a:p>
             <a:pPr lvl="0"/>
             <a:r>
-              <a:rPr lang="es-ES" smtClean="0"/>
+              <a:rPr lang="es-ES"/>
               <a:t>Haga clic para modificar el estilo de texto del patrón</a:t>
             </a:r>
           </a:p>
@@ -4180,7 +4185,7 @@
           <a:p>
             <a:fld id="{3CBBBB78-C96F-47B7-AB17-D852CA960AC9}" type="datetimeFigureOut">
               <a:rPr lang="en-US" dirty="0"/>
-              <a:t>9/11/2018</a:t>
+              <a:t>9/22/2021</a:t>
             </a:fld>
             <a:endParaRPr lang="en-US" dirty="0"/>
           </a:p>
@@ -4412,7 +4417,7 @@
           </a:lstStyle>
           <a:p>
             <a:r>
-              <a:rPr lang="es-ES" smtClean="0"/>
+              <a:rPr lang="es-ES"/>
               <a:t>Haga clic para modificar el estilo de título del patrón</a:t>
             </a:r>
             <a:endParaRPr lang="en-US" dirty="0"/>
@@ -4436,35 +4441,35 @@
           <a:p>
             <a:pPr lvl="0"/>
             <a:r>
-              <a:rPr lang="es-ES" smtClean="0"/>
+              <a:rPr lang="es-ES"/>
               <a:t>Haga clic para modificar el estilo de texto del patrón</a:t>
             </a:r>
           </a:p>
           <a:p>
             <a:pPr lvl="1"/>
             <a:r>
-              <a:rPr lang="es-ES" smtClean="0"/>
+              <a:rPr lang="es-ES"/>
               <a:t>Segundo nivel</a:t>
             </a:r>
           </a:p>
           <a:p>
             <a:pPr lvl="2"/>
             <a:r>
-              <a:rPr lang="es-ES" smtClean="0"/>
+              <a:rPr lang="es-ES"/>
               <a:t>Tercer nivel</a:t>
             </a:r>
           </a:p>
           <a:p>
             <a:pPr lvl="3"/>
             <a:r>
-              <a:rPr lang="es-ES" smtClean="0"/>
+              <a:rPr lang="es-ES"/>
               <a:t>Cuarto nivel</a:t>
             </a:r>
           </a:p>
           <a:p>
             <a:pPr lvl="4"/>
             <a:r>
-              <a:rPr lang="es-ES" smtClean="0"/>
+              <a:rPr lang="es-ES"/>
               <a:t>Quinto nivel</a:t>
             </a:r>
             <a:endParaRPr lang="en-US" dirty="0"/>
@@ -4488,7 +4493,7 @@
           <a:p>
             <a:fld id="{1FA3F48C-C7C6-4055-9F49-3777875E72AE}" type="datetimeFigureOut">
               <a:rPr lang="en-US" dirty="0"/>
-              <a:t>9/11/2018</a:t>
+              <a:t>9/22/2021</a:t>
             </a:fld>
             <a:endParaRPr lang="en-US" dirty="0"/>
           </a:p>
@@ -4661,7 +4666,7 @@
           <a:lstStyle/>
           <a:p>
             <a:r>
-              <a:rPr lang="es-ES" smtClean="0"/>
+              <a:rPr lang="es-ES"/>
               <a:t>Haga clic para modificar el estilo de título del patrón</a:t>
             </a:r>
             <a:endParaRPr lang="en-US" dirty="0"/>
@@ -4690,35 +4695,35 @@
           <a:p>
             <a:pPr lvl="0"/>
             <a:r>
-              <a:rPr lang="es-ES" smtClean="0"/>
+              <a:rPr lang="es-ES"/>
               <a:t>Haga clic para modificar el estilo de texto del patrón</a:t>
             </a:r>
           </a:p>
           <a:p>
             <a:pPr lvl="1"/>
             <a:r>
-              <a:rPr lang="es-ES" smtClean="0"/>
+              <a:rPr lang="es-ES"/>
               <a:t>Segundo nivel</a:t>
             </a:r>
           </a:p>
           <a:p>
             <a:pPr lvl="2"/>
             <a:r>
-              <a:rPr lang="es-ES" smtClean="0"/>
+              <a:rPr lang="es-ES"/>
               <a:t>Tercer nivel</a:t>
             </a:r>
           </a:p>
           <a:p>
             <a:pPr lvl="3"/>
             <a:r>
-              <a:rPr lang="es-ES" smtClean="0"/>
+              <a:rPr lang="es-ES"/>
               <a:t>Cuarto nivel</a:t>
             </a:r>
           </a:p>
           <a:p>
             <a:pPr lvl="4"/>
             <a:r>
-              <a:rPr lang="es-ES" smtClean="0"/>
+              <a:rPr lang="es-ES"/>
               <a:t>Quinto nivel</a:t>
             </a:r>
             <a:endParaRPr lang="en-US" dirty="0"/>
@@ -4747,7 +4752,7 @@
           <a:p>
             <a:fld id="{6178E61D-D431-422C-9764-11DAFE33AB63}" type="datetimeFigureOut">
               <a:rPr lang="en-US" dirty="0"/>
-              <a:t>9/11/2018</a:t>
+              <a:t>9/22/2021</a:t>
             </a:fld>
             <a:endParaRPr lang="en-US" dirty="0"/>
           </a:p>
@@ -4990,7 +4995,7 @@
           <a:lstStyle/>
           <a:p>
             <a:r>
-              <a:rPr lang="es-ES" smtClean="0"/>
+              <a:rPr lang="es-ES"/>
               <a:t>Haga clic para modificar el estilo de título del patrón</a:t>
             </a:r>
             <a:endParaRPr lang="en-US" dirty="0"/>
@@ -5014,35 +5019,35 @@
           <a:p>
             <a:pPr lvl="0"/>
             <a:r>
-              <a:rPr lang="es-ES" smtClean="0"/>
+              <a:rPr lang="es-ES"/>
               <a:t>Haga clic para modificar el estilo de texto del patrón</a:t>
             </a:r>
           </a:p>
           <a:p>
             <a:pPr lvl="1"/>
             <a:r>
-              <a:rPr lang="es-ES" smtClean="0"/>
+              <a:rPr lang="es-ES"/>
               <a:t>Segundo nivel</a:t>
             </a:r>
           </a:p>
           <a:p>
             <a:pPr lvl="2"/>
             <a:r>
-              <a:rPr lang="es-ES" smtClean="0"/>
+              <a:rPr lang="es-ES"/>
               <a:t>Tercer nivel</a:t>
             </a:r>
           </a:p>
           <a:p>
             <a:pPr lvl="3"/>
             <a:r>
-              <a:rPr lang="es-ES" smtClean="0"/>
+              <a:rPr lang="es-ES"/>
               <a:t>Cuarto nivel</a:t>
             </a:r>
           </a:p>
           <a:p>
             <a:pPr lvl="4"/>
             <a:r>
-              <a:rPr lang="es-ES" smtClean="0"/>
+              <a:rPr lang="es-ES"/>
               <a:t>Quinto nivel</a:t>
             </a:r>
             <a:endParaRPr lang="en-US" dirty="0"/>
@@ -5066,7 +5071,7 @@
           <a:p>
             <a:fld id="{12DE42F4-6EEF-4EF7-8ED4-2208F0F89A08}" type="datetimeFigureOut">
               <a:rPr lang="en-US" dirty="0"/>
-              <a:t>9/11/2018</a:t>
+              <a:t>9/22/2021</a:t>
             </a:fld>
             <a:endParaRPr lang="en-US" dirty="0"/>
           </a:p>
@@ -5305,7 +5310,7 @@
           </a:lstStyle>
           <a:p>
             <a:r>
-              <a:rPr lang="es-ES" smtClean="0"/>
+              <a:rPr lang="es-ES"/>
               <a:t>Haga clic para modificar el estilo de título del patrón</a:t>
             </a:r>
             <a:endParaRPr lang="en-US" dirty="0"/>
@@ -5427,7 +5432,7 @@
           <a:p>
             <a:pPr lvl="0"/>
             <a:r>
-              <a:rPr lang="es-ES" smtClean="0"/>
+              <a:rPr lang="es-ES"/>
               <a:t>Haga clic para modificar el estilo de texto del patrón</a:t>
             </a:r>
           </a:p>
@@ -5450,7 +5455,7 @@
           <a:p>
             <a:fld id="{30578ACC-22D6-47C1-A373-4FD133E34F3C}" type="datetimeFigureOut">
               <a:rPr lang="en-US" dirty="0"/>
-              <a:t>9/11/2018</a:t>
+              <a:t>9/22/2021</a:t>
             </a:fld>
             <a:endParaRPr lang="en-US" dirty="0"/>
           </a:p>
@@ -5683,7 +5688,7 @@
           <a:lstStyle/>
           <a:p>
             <a:r>
-              <a:rPr lang="es-ES" smtClean="0"/>
+              <a:rPr lang="es-ES"/>
               <a:t>Haga clic para modificar el estilo de título del patrón</a:t>
             </a:r>
             <a:endParaRPr lang="en-US" dirty="0"/>
@@ -5712,35 +5717,35 @@
           <a:p>
             <a:pPr lvl="0"/>
             <a:r>
-              <a:rPr lang="es-ES" smtClean="0"/>
+              <a:rPr lang="es-ES"/>
               <a:t>Haga clic para modificar el estilo de texto del patrón</a:t>
             </a:r>
           </a:p>
           <a:p>
             <a:pPr lvl="1"/>
             <a:r>
-              <a:rPr lang="es-ES" smtClean="0"/>
+              <a:rPr lang="es-ES"/>
               <a:t>Segundo nivel</a:t>
             </a:r>
           </a:p>
           <a:p>
             <a:pPr lvl="2"/>
             <a:r>
-              <a:rPr lang="es-ES" smtClean="0"/>
+              <a:rPr lang="es-ES"/>
               <a:t>Tercer nivel</a:t>
             </a:r>
           </a:p>
           <a:p>
             <a:pPr lvl="3"/>
             <a:r>
-              <a:rPr lang="es-ES" smtClean="0"/>
+              <a:rPr lang="es-ES"/>
               <a:t>Cuarto nivel</a:t>
             </a:r>
           </a:p>
           <a:p>
             <a:pPr lvl="4"/>
             <a:r>
-              <a:rPr lang="es-ES" smtClean="0"/>
+              <a:rPr lang="es-ES"/>
               <a:t>Quinto nivel</a:t>
             </a:r>
             <a:endParaRPr lang="en-US" dirty="0"/>
@@ -5769,35 +5774,35 @@
           <a:p>
             <a:pPr lvl="0"/>
             <a:r>
-              <a:rPr lang="es-ES" smtClean="0"/>
+              <a:rPr lang="es-ES"/>
               <a:t>Haga clic para modificar el estilo de texto del patrón</a:t>
             </a:r>
           </a:p>
           <a:p>
             <a:pPr lvl="1"/>
             <a:r>
-              <a:rPr lang="es-ES" smtClean="0"/>
+              <a:rPr lang="es-ES"/>
               <a:t>Segundo nivel</a:t>
             </a:r>
           </a:p>
           <a:p>
             <a:pPr lvl="2"/>
             <a:r>
-              <a:rPr lang="es-ES" smtClean="0"/>
+              <a:rPr lang="es-ES"/>
               <a:t>Tercer nivel</a:t>
             </a:r>
           </a:p>
           <a:p>
             <a:pPr lvl="3"/>
             <a:r>
-              <a:rPr lang="es-ES" smtClean="0"/>
+              <a:rPr lang="es-ES"/>
               <a:t>Cuarto nivel</a:t>
             </a:r>
           </a:p>
           <a:p>
             <a:pPr lvl="4"/>
             <a:r>
-              <a:rPr lang="es-ES" smtClean="0"/>
+              <a:rPr lang="es-ES"/>
               <a:t>Quinto nivel</a:t>
             </a:r>
             <a:endParaRPr lang="en-US" dirty="0"/>
@@ -5821,7 +5826,7 @@
           <a:p>
             <a:fld id="{4E5A6C69-6797-4E8A-BF37-F2C3751466E9}" type="datetimeFigureOut">
               <a:rPr lang="en-US" dirty="0"/>
-              <a:t>9/11/2018</a:t>
+              <a:t>9/22/2021</a:t>
             </a:fld>
             <a:endParaRPr lang="en-US" dirty="0"/>
           </a:p>
@@ -6054,7 +6059,7 @@
           <a:lstStyle/>
           <a:p>
             <a:r>
-              <a:rPr lang="es-ES" smtClean="0"/>
+              <a:rPr lang="es-ES"/>
               <a:t>Haga clic para modificar el estilo de título del patrón</a:t>
             </a:r>
             <a:endParaRPr lang="en-US" dirty="0"/>
@@ -6120,7 +6125,7 @@
           <a:p>
             <a:pPr lvl="0"/>
             <a:r>
-              <a:rPr lang="es-ES" smtClean="0"/>
+              <a:rPr lang="es-ES"/>
               <a:t>Haga clic para modificar el estilo de texto del patrón</a:t>
             </a:r>
           </a:p>
@@ -6148,35 +6153,35 @@
           <a:p>
             <a:pPr lvl="0"/>
             <a:r>
-              <a:rPr lang="es-ES" smtClean="0"/>
+              <a:rPr lang="es-ES"/>
               <a:t>Haga clic para modificar el estilo de texto del patrón</a:t>
             </a:r>
           </a:p>
           <a:p>
             <a:pPr lvl="1"/>
             <a:r>
-              <a:rPr lang="es-ES" smtClean="0"/>
+              <a:rPr lang="es-ES"/>
               <a:t>Segundo nivel</a:t>
             </a:r>
           </a:p>
           <a:p>
             <a:pPr lvl="2"/>
             <a:r>
-              <a:rPr lang="es-ES" smtClean="0"/>
+              <a:rPr lang="es-ES"/>
               <a:t>Tercer nivel</a:t>
             </a:r>
           </a:p>
           <a:p>
             <a:pPr lvl="3"/>
             <a:r>
-              <a:rPr lang="es-ES" smtClean="0"/>
+              <a:rPr lang="es-ES"/>
               <a:t>Cuarto nivel</a:t>
             </a:r>
           </a:p>
           <a:p>
             <a:pPr lvl="4"/>
             <a:r>
-              <a:rPr lang="es-ES" smtClean="0"/>
+              <a:rPr lang="es-ES"/>
               <a:t>Quinto nivel</a:t>
             </a:r>
             <a:endParaRPr lang="en-US" dirty="0"/>
@@ -6242,7 +6247,7 @@
           <a:p>
             <a:pPr lvl="0"/>
             <a:r>
-              <a:rPr lang="es-ES" smtClean="0"/>
+              <a:rPr lang="es-ES"/>
               <a:t>Haga clic para modificar el estilo de texto del patrón</a:t>
             </a:r>
           </a:p>
@@ -6270,35 +6275,35 @@
           <a:p>
             <a:pPr lvl="0"/>
             <a:r>
-              <a:rPr lang="es-ES" smtClean="0"/>
+              <a:rPr lang="es-ES"/>
               <a:t>Haga clic para modificar el estilo de texto del patrón</a:t>
             </a:r>
           </a:p>
           <a:p>
             <a:pPr lvl="1"/>
             <a:r>
-              <a:rPr lang="es-ES" smtClean="0"/>
+              <a:rPr lang="es-ES"/>
               <a:t>Segundo nivel</a:t>
             </a:r>
           </a:p>
           <a:p>
             <a:pPr lvl="2"/>
             <a:r>
-              <a:rPr lang="es-ES" smtClean="0"/>
+              <a:rPr lang="es-ES"/>
               <a:t>Tercer nivel</a:t>
             </a:r>
           </a:p>
           <a:p>
             <a:pPr lvl="3"/>
             <a:r>
-              <a:rPr lang="es-ES" smtClean="0"/>
+              <a:rPr lang="es-ES"/>
               <a:t>Cuarto nivel</a:t>
             </a:r>
           </a:p>
           <a:p>
             <a:pPr lvl="4"/>
             <a:r>
-              <a:rPr lang="es-ES" smtClean="0"/>
+              <a:rPr lang="es-ES"/>
               <a:t>Quinto nivel</a:t>
             </a:r>
             <a:endParaRPr lang="en-US" dirty="0"/>
@@ -6322,7 +6327,7 @@
           <a:p>
             <a:fld id="{D82014A1-A632-4878-A0D3-F52BA7563730}" type="datetimeFigureOut">
               <a:rPr lang="en-US" dirty="0"/>
-              <a:t>9/11/2018</a:t>
+              <a:t>9/22/2021</a:t>
             </a:fld>
             <a:endParaRPr lang="en-US" dirty="0"/>
           </a:p>
@@ -6550,7 +6555,7 @@
           <a:lstStyle/>
           <a:p>
             <a:r>
-              <a:rPr lang="es-ES" smtClean="0"/>
+              <a:rPr lang="es-ES"/>
               <a:t>Haga clic para modificar el estilo de título del patrón</a:t>
             </a:r>
             <a:endParaRPr lang="en-US" dirty="0"/>
@@ -6574,7 +6579,7 @@
           <a:p>
             <a:fld id="{CE99F462-093F-4566-844B-4C71F2739DA5}" type="datetimeFigureOut">
               <a:rPr lang="en-US" dirty="0"/>
-              <a:t>9/11/2018</a:t>
+              <a:t>9/22/2021</a:t>
             </a:fld>
             <a:endParaRPr lang="en-US" dirty="0"/>
           </a:p>
@@ -6732,7 +6737,7 @@
           <a:p>
             <a:fld id="{3D24A7AC-904D-4781-85BA-7D10C17ED021}" type="datetimeFigureOut">
               <a:rPr lang="en-US" dirty="0"/>
-              <a:t>9/11/2018</a:t>
+              <a:t>9/22/2021</a:t>
             </a:fld>
             <a:endParaRPr lang="en-US" dirty="0"/>
           </a:p>
@@ -6971,7 +6976,7 @@
           </a:lstStyle>
           <a:p>
             <a:r>
-              <a:rPr lang="es-ES" smtClean="0"/>
+              <a:rPr lang="es-ES"/>
               <a:t>Haga clic para modificar el estilo de título del patrón</a:t>
             </a:r>
             <a:endParaRPr lang="en-US" dirty="0"/>
@@ -7000,35 +7005,35 @@
           <a:p>
             <a:pPr lvl="0"/>
             <a:r>
-              <a:rPr lang="es-ES" smtClean="0"/>
+              <a:rPr lang="es-ES"/>
               <a:t>Haga clic para modificar el estilo de texto del patrón</a:t>
             </a:r>
           </a:p>
           <a:p>
             <a:pPr lvl="1"/>
             <a:r>
-              <a:rPr lang="es-ES" smtClean="0"/>
+              <a:rPr lang="es-ES"/>
               <a:t>Segundo nivel</a:t>
             </a:r>
           </a:p>
           <a:p>
             <a:pPr lvl="2"/>
             <a:r>
-              <a:rPr lang="es-ES" smtClean="0"/>
+              <a:rPr lang="es-ES"/>
               <a:t>Tercer nivel</a:t>
             </a:r>
           </a:p>
           <a:p>
             <a:pPr lvl="3"/>
             <a:r>
-              <a:rPr lang="es-ES" smtClean="0"/>
+              <a:rPr lang="es-ES"/>
               <a:t>Cuarto nivel</a:t>
             </a:r>
           </a:p>
           <a:p>
             <a:pPr lvl="4"/>
             <a:r>
-              <a:rPr lang="es-ES" smtClean="0"/>
+              <a:rPr lang="es-ES"/>
               <a:t>Quinto nivel</a:t>
             </a:r>
             <a:endParaRPr lang="en-US" dirty="0"/>
@@ -7094,7 +7099,7 @@
           <a:p>
             <a:pPr lvl="0"/>
             <a:r>
-              <a:rPr lang="es-ES" smtClean="0"/>
+              <a:rPr lang="es-ES"/>
               <a:t>Haga clic para modificar el estilo de texto del patrón</a:t>
             </a:r>
           </a:p>
@@ -7117,7 +7122,7 @@
           <a:p>
             <a:fld id="{E331444B-B92B-4E27-8C94-BB93EAF5CB18}" type="datetimeFigureOut">
               <a:rPr lang="en-US" dirty="0"/>
-              <a:t>9/11/2018</a:t>
+              <a:t>9/22/2021</a:t>
             </a:fld>
             <a:endParaRPr lang="en-US" dirty="0"/>
           </a:p>
@@ -7356,7 +7361,7 @@
           </a:lstStyle>
           <a:p>
             <a:r>
-              <a:rPr lang="es-ES" smtClean="0"/>
+              <a:rPr lang="es-ES"/>
               <a:t>Haga clic para modificar el estilo de título del patrón</a:t>
             </a:r>
             <a:endParaRPr lang="en-US" dirty="0"/>
@@ -7432,7 +7437,7 @@
           </a:lstStyle>
           <a:p>
             <a:r>
-              <a:rPr lang="es-ES" smtClean="0"/>
+              <a:rPr lang="es-ES"/>
               <a:t>Haga clic en el icono para agregar una imagen</a:t>
             </a:r>
             <a:endParaRPr lang="en-US" dirty="0"/>
@@ -7498,7 +7503,7 @@
           <a:p>
             <a:pPr lvl="0"/>
             <a:r>
-              <a:rPr lang="es-ES" smtClean="0"/>
+              <a:rPr lang="es-ES"/>
               <a:t>Haga clic para modificar el estilo de texto del patrón</a:t>
             </a:r>
           </a:p>
@@ -7521,7 +7526,7 @@
           <a:p>
             <a:fld id="{363EFA5E-FA76-400D-B3DC-F0BA90E6D107}" type="datetimeFigureOut">
               <a:rPr lang="en-US" dirty="0"/>
-              <a:t>9/11/2018</a:t>
+              <a:t>9/22/2021</a:t>
             </a:fld>
             <a:endParaRPr lang="en-US" dirty="0"/>
           </a:p>
@@ -7656,7 +7661,7 @@
           <a:lstStyle/>
           <a:p>
             <a:r>
-              <a:rPr lang="es-ES" smtClean="0"/>
+              <a:rPr lang="es-ES"/>
               <a:t>Haga clic para modificar el estilo de título del patrón</a:t>
             </a:r>
             <a:endParaRPr lang="en-US" dirty="0"/>
@@ -7690,35 +7695,35 @@
           <a:p>
             <a:pPr lvl="0"/>
             <a:r>
-              <a:rPr lang="es-ES" smtClean="0"/>
+              <a:rPr lang="es-ES"/>
               <a:t>Haga clic para modificar el estilo de texto del patrón</a:t>
             </a:r>
           </a:p>
           <a:p>
             <a:pPr lvl="1"/>
             <a:r>
-              <a:rPr lang="es-ES" smtClean="0"/>
+              <a:rPr lang="es-ES"/>
               <a:t>Segundo nivel</a:t>
             </a:r>
           </a:p>
           <a:p>
             <a:pPr lvl="2"/>
             <a:r>
-              <a:rPr lang="es-ES" smtClean="0"/>
+              <a:rPr lang="es-ES"/>
               <a:t>Tercer nivel</a:t>
             </a:r>
           </a:p>
           <a:p>
             <a:pPr lvl="3"/>
             <a:r>
-              <a:rPr lang="es-ES" smtClean="0"/>
+              <a:rPr lang="es-ES"/>
               <a:t>Cuarto nivel</a:t>
             </a:r>
           </a:p>
           <a:p>
             <a:pPr lvl="4"/>
             <a:r>
-              <a:rPr lang="es-ES" smtClean="0"/>
+              <a:rPr lang="es-ES"/>
               <a:t>Quinto nivel</a:t>
             </a:r>
             <a:endParaRPr lang="en-US" dirty="0"/>
@@ -7760,7 +7765,7 @@
           <a:p>
             <a:fld id="{9D6E9DEC-419B-4CC5-A080-3B06BD5A8291}" type="datetimeFigureOut">
               <a:rPr lang="en-US" dirty="0"/>
-              <a:t>9/11/2018</a:t>
+              <a:t>9/22/2021</a:t>
             </a:fld>
             <a:endParaRPr lang="en-US" dirty="0"/>
           </a:p>
@@ -8184,14 +8189,13 @@
           <a:lstStyle/>
           <a:p>
             <a:r>
-              <a:rPr lang="es-AR" dirty="0" err="1" smtClean="0"/>
+              <a:rPr lang="es-AR" dirty="0" err="1"/>
               <a:t>Abstract</a:t>
             </a:r>
             <a:r>
-              <a:rPr lang="es-AR" dirty="0" smtClean="0"/>
+              <a:rPr lang="es-AR" dirty="0"/>
               <a:t> y Virtual</a:t>
             </a:r>
-            <a:endParaRPr lang="es-AR" dirty="0"/>
           </a:p>
         </p:txBody>
       </p:sp>
@@ -8266,11 +8270,7 @@
             </a:pPr>
             <a:r>
               <a:rPr lang="es-AR" dirty="0"/>
-              <a:t>Edición </a:t>
-            </a:r>
-            <a:r>
-              <a:rPr lang="es-AR" dirty="0" smtClean="0"/>
-              <a:t>2018</a:t>
+              <a:t>Edición 2018</a:t>
             </a:r>
             <a:endParaRPr lang="es-AR" dirty="0">
               <a:solidFill>
@@ -8330,7 +8330,7 @@
               <a:buNone/>
             </a:pPr>
             <a:r>
-              <a:rPr lang="es-AR" dirty="0" smtClean="0">
+              <a:rPr lang="es-AR" dirty="0">
                 <a:solidFill>
                   <a:prstClr val="white"/>
                 </a:solidFill>
@@ -8338,12 +8338,6 @@
               </a:rPr>
               <a:t>10</a:t>
             </a:r>
-            <a:endParaRPr lang="es-AR" dirty="0">
-              <a:solidFill>
-                <a:prstClr val="white"/>
-              </a:solidFill>
-              <a:latin typeface="Trebuchet MS" panose="020B0603020202020204"/>
-            </a:endParaRPr>
           </a:p>
         </p:txBody>
       </p:sp>
@@ -9514,10 +9508,9 @@
           <a:lstStyle/>
           <a:p>
             <a:r>
-              <a:rPr lang="es-AR" dirty="0" smtClean="0"/>
+              <a:rPr lang="es-AR" dirty="0"/>
               <a:t>Miembros Virtuales</a:t>
             </a:r>
-            <a:endParaRPr lang="es-AR" dirty="0"/>
           </a:p>
         </p:txBody>
       </p:sp>
@@ -9645,20 +9638,7 @@
                 </a:effectLst>
                 <a:latin typeface="Franklin Gothic Medium" panose="020B0603020102020204" pitchFamily="34" charset="0"/>
               </a:rPr>
-              <a:t>Si no existe un modificador virtual, se dice que el método es un método no virtual</a:t>
-            </a:r>
-            <a:r>
-              <a:rPr lang="es-AR" dirty="0" smtClean="0">
-                <a:effectLst>
-                  <a:outerShdw blurRad="38100" dist="38100" dir="2700000" algn="tl">
-                    <a:srgbClr val="000000">
-                      <a:alpha val="43137"/>
-                    </a:srgbClr>
-                  </a:outerShdw>
-                </a:effectLst>
-                <a:latin typeface="Franklin Gothic Medium" panose="020B0603020102020204" pitchFamily="34" charset="0"/>
-              </a:rPr>
-              <a:t>.</a:t>
+              <a:t>Si no existe un modificador virtual, se dice que el método es un método no virtual.</a:t>
             </a:r>
             <a:endParaRPr lang="es-AR" dirty="0"/>
           </a:p>
@@ -9735,7 +9715,7 @@
               <a:defRPr/>
             </a:pPr>
             <a:r>
-              <a:rPr lang="es-AR" dirty="0" smtClean="0">
+              <a:rPr lang="es-AR" dirty="0">
                 <a:effectLst>
                   <a:outerShdw blurRad="38100" dist="38100" dir="2700000" algn="tl">
                     <a:srgbClr val="000000">
@@ -9745,20 +9725,7 @@
                 </a:effectLst>
                 <a:latin typeface="Franklin Gothic Medium" panose="020B0603020102020204" pitchFamily="34" charset="0"/>
               </a:rPr>
-              <a:t>La </a:t>
-            </a:r>
-            <a:r>
-              <a:rPr lang="es-AR" dirty="0">
-                <a:effectLst>
-                  <a:outerShdw blurRad="38100" dist="38100" dir="2700000" algn="tl">
-                    <a:srgbClr val="000000">
-                      <a:alpha val="43137"/>
-                    </a:srgbClr>
-                  </a:outerShdw>
-                </a:effectLst>
-                <a:latin typeface="Franklin Gothic Medium" panose="020B0603020102020204" pitchFamily="34" charset="0"/>
-              </a:rPr>
-              <a:t>implementación de un método no virtual es invariable, o sea es la misma tanto si se invoca un método en una instancia de la clase en la que se declaró o en una instancia de una clase derivada.</a:t>
+              <a:t>La implementación de un método no virtual es invariable, o sea es la misma tanto si se invoca un método en una instancia de la clase en la que se declaró o en una instancia de una clase derivada.</a:t>
             </a:r>
           </a:p>
           <a:p>
@@ -9976,10 +9943,15 @@
                 </a:effectLst>
                 <a:latin typeface="Franklin Gothic Medium" panose="020B0603020102020204" pitchFamily="34" charset="0"/>
               </a:rPr>
-              <a:t>Podemos concluir que cuando se invoca un método denominado N con una lista de argumentos A en una instancia con un tipo C en tiempo de compilación y un tipo </a:t>
-            </a:r>
-            <a:r>
-              <a:rPr lang="es-AR" dirty="0" smtClean="0">
+              <a:t>Podemos concluir que cuando se invoca un método denominado N con una lista de argumentos A en una instancia con un tipo C en tiempo de compilación y un tipo “r” en tiempo de ejecución (donde “r” es C o una clase derivada de C):</a:t>
+            </a:r>
+          </a:p>
+          <a:p>
+            <a:pPr>
+              <a:defRPr/>
+            </a:pPr>
+            <a:r>
+              <a:rPr lang="es-AR" dirty="0">
                 <a:effectLst>
                   <a:outerShdw blurRad="38100" dist="38100" dir="2700000" algn="tl">
                     <a:srgbClr val="000000">
@@ -9989,8 +9961,13 @@
                 </a:effectLst>
                 <a:latin typeface="Franklin Gothic Medium" panose="020B0603020102020204" pitchFamily="34" charset="0"/>
               </a:rPr>
-              <a:t>“r” </a:t>
-            </a:r>
+              <a:t>La invocación se procesa de la forma siguiente:</a:t>
+            </a:r>
+          </a:p>
+          <a:p>
+            <a:pPr lvl="1">
+              <a:defRPr/>
+            </a:pPr>
             <a:r>
               <a:rPr lang="es-AR" dirty="0">
                 <a:effectLst>
@@ -10002,10 +9979,15 @@
                 </a:effectLst>
                 <a:latin typeface="Franklin Gothic Medium" panose="020B0603020102020204" pitchFamily="34" charset="0"/>
               </a:rPr>
-              <a:t>en tiempo de ejecución (donde “r”</a:t>
-            </a:r>
-            <a:r>
-              <a:rPr lang="es-AR" dirty="0" smtClean="0">
+              <a:t>En primer lugar, la resolución de sobrecarga se aplica a C, N y A para seleccionar un método específico M del conjunto de métodos heredados y declarados por C.</a:t>
+            </a:r>
+          </a:p>
+          <a:p>
+            <a:pPr lvl="1">
+              <a:defRPr/>
+            </a:pPr>
+            <a:r>
+              <a:rPr lang="es-AR" dirty="0">
                 <a:effectLst>
                   <a:outerShdw blurRad="38100" dist="38100" dir="2700000" algn="tl">
                     <a:srgbClr val="000000">
@@ -10015,8 +9997,13 @@
                 </a:effectLst>
                 <a:latin typeface="Franklin Gothic Medium" panose="020B0603020102020204" pitchFamily="34" charset="0"/>
               </a:rPr>
-              <a:t> </a:t>
-            </a:r>
+              <a:t>A continuación, si M es un método no virtual, se invoca M.</a:t>
+            </a:r>
+          </a:p>
+          <a:p>
+            <a:pPr lvl="1">
+              <a:defRPr/>
+            </a:pPr>
             <a:r>
               <a:rPr lang="es-AR" dirty="0">
                 <a:effectLst>
@@ -10028,139 +10015,8 @@
                 </a:effectLst>
                 <a:latin typeface="Franklin Gothic Medium" panose="020B0603020102020204" pitchFamily="34" charset="0"/>
               </a:rPr>
-              <a:t>es C o una clase derivada de C</a:t>
-            </a:r>
-            <a:r>
-              <a:rPr lang="es-AR" dirty="0" smtClean="0">
-                <a:effectLst>
-                  <a:outerShdw blurRad="38100" dist="38100" dir="2700000" algn="tl">
-                    <a:srgbClr val="000000">
-                      <a:alpha val="43137"/>
-                    </a:srgbClr>
-                  </a:outerShdw>
-                </a:effectLst>
-                <a:latin typeface="Franklin Gothic Medium" panose="020B0603020102020204" pitchFamily="34" charset="0"/>
-              </a:rPr>
-              <a:t>):</a:t>
-            </a:r>
-          </a:p>
-          <a:p>
-            <a:pPr>
-              <a:defRPr/>
-            </a:pPr>
-            <a:r>
-              <a:rPr lang="es-AR" dirty="0">
-                <a:effectLst>
-                  <a:outerShdw blurRad="38100" dist="38100" dir="2700000" algn="tl">
-                    <a:srgbClr val="000000">
-                      <a:alpha val="43137"/>
-                    </a:srgbClr>
-                  </a:outerShdw>
-                </a:effectLst>
-                <a:latin typeface="Franklin Gothic Medium" panose="020B0603020102020204" pitchFamily="34" charset="0"/>
-              </a:rPr>
-              <a:t>La invocación se procesa de la forma siguiente:</a:t>
-            </a:r>
-          </a:p>
-          <a:p>
-            <a:pPr lvl="1">
-              <a:defRPr/>
-            </a:pPr>
-            <a:r>
-              <a:rPr lang="es-AR" dirty="0">
-                <a:effectLst>
-                  <a:outerShdw blurRad="38100" dist="38100" dir="2700000" algn="tl">
-                    <a:srgbClr val="000000">
-                      <a:alpha val="43137"/>
-                    </a:srgbClr>
-                  </a:outerShdw>
-                </a:effectLst>
-                <a:latin typeface="Franklin Gothic Medium" panose="020B0603020102020204" pitchFamily="34" charset="0"/>
-              </a:rPr>
-              <a:t>En primer lugar, la resolución de sobrecarga se aplica a C, N y A para seleccionar un método específico M del conjunto de métodos heredados y declarados por C.</a:t>
-            </a:r>
-          </a:p>
-          <a:p>
-            <a:pPr lvl="1">
-              <a:defRPr/>
-            </a:pPr>
-            <a:r>
-              <a:rPr lang="es-AR" dirty="0">
-                <a:effectLst>
-                  <a:outerShdw blurRad="38100" dist="38100" dir="2700000" algn="tl">
-                    <a:srgbClr val="000000">
-                      <a:alpha val="43137"/>
-                    </a:srgbClr>
-                  </a:outerShdw>
-                </a:effectLst>
-                <a:latin typeface="Franklin Gothic Medium" panose="020B0603020102020204" pitchFamily="34" charset="0"/>
-              </a:rPr>
-              <a:t>A continuación, si M es un método no virtual, se invoca </a:t>
-            </a:r>
-            <a:r>
-              <a:rPr lang="es-AR" dirty="0" smtClean="0">
-                <a:effectLst>
-                  <a:outerShdw blurRad="38100" dist="38100" dir="2700000" algn="tl">
-                    <a:srgbClr val="000000">
-                      <a:alpha val="43137"/>
-                    </a:srgbClr>
-                  </a:outerShdw>
-                </a:effectLst>
-                <a:latin typeface="Franklin Gothic Medium" panose="020B0603020102020204" pitchFamily="34" charset="0"/>
-              </a:rPr>
-              <a:t>M.</a:t>
-            </a:r>
-            <a:endParaRPr lang="es-AR" dirty="0">
-              <a:effectLst>
-                <a:outerShdw blurRad="38100" dist="38100" dir="2700000" algn="tl">
-                  <a:srgbClr val="000000">
-                    <a:alpha val="43137"/>
-                  </a:srgbClr>
-                </a:outerShdw>
-              </a:effectLst>
-              <a:latin typeface="Franklin Gothic Medium" panose="020B0603020102020204" pitchFamily="34" charset="0"/>
-            </a:endParaRPr>
-          </a:p>
-          <a:p>
-            <a:pPr lvl="1">
-              <a:defRPr/>
-            </a:pPr>
-            <a:r>
-              <a:rPr lang="es-AR" dirty="0">
-                <a:effectLst>
-                  <a:outerShdw blurRad="38100" dist="38100" dir="2700000" algn="tl">
-                    <a:srgbClr val="000000">
-                      <a:alpha val="43137"/>
-                    </a:srgbClr>
-                  </a:outerShdw>
-                </a:effectLst>
-                <a:latin typeface="Franklin Gothic Medium" panose="020B0603020102020204" pitchFamily="34" charset="0"/>
-              </a:rPr>
-              <a:t>Si no, M es un método virtual, y se invoca la implementación más derivada de M con respecto a R</a:t>
-            </a:r>
-            <a:r>
-              <a:rPr lang="es-AR" dirty="0" smtClean="0">
-                <a:effectLst>
-                  <a:outerShdw blurRad="38100" dist="38100" dir="2700000" algn="tl">
-                    <a:srgbClr val="000000">
-                      <a:alpha val="43137"/>
-                    </a:srgbClr>
-                  </a:outerShdw>
-                </a:effectLst>
-                <a:latin typeface="Franklin Gothic Medium" panose="020B0603020102020204" pitchFamily="34" charset="0"/>
-              </a:rPr>
-              <a:t>.</a:t>
-            </a:r>
-            <a:endParaRPr lang="es-AR" dirty="0">
-              <a:effectLst>
-                <a:outerShdw blurRad="38100" dist="38100" dir="2700000" algn="tl">
-                  <a:srgbClr val="000000">
-                    <a:alpha val="43137"/>
-                  </a:srgbClr>
-                </a:outerShdw>
-              </a:effectLst>
-              <a:latin typeface="Franklin Gothic Medium" panose="020B0603020102020204" pitchFamily="34" charset="0"/>
-            </a:endParaRPr>
+              <a:t>Si no, M es un método virtual, y se invoca la implementación más derivada de M con respecto a R.</a:t>
+            </a:r>
           </a:p>
           <a:p>
             <a:endParaRPr lang="es-AR" dirty="0"/>
@@ -10501,7 +10357,7 @@
               <a:buNone/>
             </a:pPr>
             <a:r>
-              <a:rPr lang="es-AR" sz="2000" dirty="0" err="1" smtClean="0">
+              <a:rPr lang="es-AR" sz="2000" dirty="0" err="1">
                 <a:solidFill>
                   <a:srgbClr val="0000FF"/>
                 </a:solidFill>
@@ -10513,7 +10369,7 @@
               <a:t>public</a:t>
             </a:r>
             <a:r>
-              <a:rPr lang="es-AR" sz="2000" dirty="0" smtClean="0">
+              <a:rPr lang="es-AR" sz="2000" dirty="0">
                 <a:solidFill>
                   <a:srgbClr val="000000"/>
                 </a:solidFill>
@@ -10578,7 +10434,7 @@
               <a:buNone/>
             </a:pPr>
             <a:r>
-              <a:rPr lang="es-AR" sz="2000" dirty="0" smtClean="0">
+              <a:rPr lang="es-AR" sz="2000" dirty="0">
                 <a:solidFill>
                   <a:srgbClr val="000000"/>
                 </a:solidFill>
@@ -10588,6 +10444,639 @@
                 <a:latin typeface="Consolas" panose="020B0609020204030204" pitchFamily="49" charset="0"/>
               </a:rPr>
               <a:t>{</a:t>
+            </a:r>
+          </a:p>
+          <a:p>
+            <a:pPr marL="76200" indent="0">
+              <a:spcBef>
+                <a:spcPts val="0"/>
+              </a:spcBef>
+              <a:buNone/>
+            </a:pPr>
+            <a:r>
+              <a:rPr lang="en-US" sz="2000" dirty="0">
+                <a:solidFill>
+                  <a:srgbClr val="000000"/>
+                </a:solidFill>
+                <a:highlight>
+                  <a:srgbClr val="FFFFFF"/>
+                </a:highlight>
+                <a:latin typeface="Consolas" panose="020B0609020204030204" pitchFamily="49" charset="0"/>
+              </a:rPr>
+              <a:t>    </a:t>
+            </a:r>
+            <a:r>
+              <a:rPr lang="en-US" sz="2000" dirty="0">
+                <a:solidFill>
+                  <a:srgbClr val="0000FF"/>
+                </a:solidFill>
+                <a:highlight>
+                  <a:srgbClr val="FFFFFF"/>
+                </a:highlight>
+                <a:latin typeface="Consolas" panose="020B0609020204030204" pitchFamily="49" charset="0"/>
+              </a:rPr>
+              <a:t>public</a:t>
+            </a:r>
+            <a:r>
+              <a:rPr lang="en-US" sz="2000" dirty="0">
+                <a:solidFill>
+                  <a:srgbClr val="000000"/>
+                </a:solidFill>
+                <a:highlight>
+                  <a:srgbClr val="FFFFFF"/>
+                </a:highlight>
+                <a:latin typeface="Consolas" panose="020B0609020204030204" pitchFamily="49" charset="0"/>
+              </a:rPr>
+              <a:t> </a:t>
+            </a:r>
+            <a:r>
+              <a:rPr lang="en-US" sz="2000" dirty="0">
+                <a:solidFill>
+                  <a:srgbClr val="0000FF"/>
+                </a:solidFill>
+                <a:highlight>
+                  <a:srgbClr val="FFFFFF"/>
+                </a:highlight>
+                <a:latin typeface="Consolas" panose="020B0609020204030204" pitchFamily="49" charset="0"/>
+              </a:rPr>
+              <a:t>virtual</a:t>
+            </a:r>
+            <a:r>
+              <a:rPr lang="en-US" sz="2000" dirty="0">
+                <a:solidFill>
+                  <a:srgbClr val="000000"/>
+                </a:solidFill>
+                <a:highlight>
+                  <a:srgbClr val="FFFFFF"/>
+                </a:highlight>
+                <a:latin typeface="Consolas" panose="020B0609020204030204" pitchFamily="49" charset="0"/>
+              </a:rPr>
+              <a:t> </a:t>
+            </a:r>
+            <a:r>
+              <a:rPr lang="en-US" sz="2000" dirty="0">
+                <a:solidFill>
+                  <a:srgbClr val="0000FF"/>
+                </a:solidFill>
+                <a:highlight>
+                  <a:srgbClr val="FFFFFF"/>
+                </a:highlight>
+                <a:latin typeface="Consolas" panose="020B0609020204030204" pitchFamily="49" charset="0"/>
+              </a:rPr>
+              <a:t>void</a:t>
+            </a:r>
+            <a:r>
+              <a:rPr lang="en-US" sz="2000" dirty="0">
+                <a:solidFill>
+                  <a:srgbClr val="000000"/>
+                </a:solidFill>
+                <a:highlight>
+                  <a:srgbClr val="FFFFFF"/>
+                </a:highlight>
+                <a:latin typeface="Consolas" panose="020B0609020204030204" pitchFamily="49" charset="0"/>
+              </a:rPr>
+              <a:t> N(</a:t>
+            </a:r>
+            <a:r>
+              <a:rPr lang="en-US" sz="2000" dirty="0" err="1">
+                <a:solidFill>
+                  <a:srgbClr val="0000FF"/>
+                </a:solidFill>
+                <a:highlight>
+                  <a:srgbClr val="FFFFFF"/>
+                </a:highlight>
+                <a:latin typeface="Consolas" panose="020B0609020204030204" pitchFamily="49" charset="0"/>
+              </a:rPr>
+              <a:t>int</a:t>
+            </a:r>
+            <a:r>
+              <a:rPr lang="en-US" sz="2000" dirty="0">
+                <a:solidFill>
+                  <a:srgbClr val="000000"/>
+                </a:solidFill>
+                <a:highlight>
+                  <a:srgbClr val="FFFFFF"/>
+                </a:highlight>
+                <a:latin typeface="Consolas" panose="020B0609020204030204" pitchFamily="49" charset="0"/>
+              </a:rPr>
+              <a:t> a1, </a:t>
+            </a:r>
+            <a:r>
+              <a:rPr lang="en-US" sz="2000" dirty="0" err="1">
+                <a:solidFill>
+                  <a:srgbClr val="0000FF"/>
+                </a:solidFill>
+                <a:highlight>
+                  <a:srgbClr val="FFFFFF"/>
+                </a:highlight>
+                <a:latin typeface="Consolas" panose="020B0609020204030204" pitchFamily="49" charset="0"/>
+              </a:rPr>
+              <a:t>int</a:t>
+            </a:r>
+            <a:r>
+              <a:rPr lang="en-US" sz="2000" dirty="0">
+                <a:solidFill>
+                  <a:srgbClr val="000000"/>
+                </a:solidFill>
+                <a:highlight>
+                  <a:srgbClr val="FFFFFF"/>
+                </a:highlight>
+                <a:latin typeface="Consolas" panose="020B0609020204030204" pitchFamily="49" charset="0"/>
+              </a:rPr>
+              <a:t> a2)</a:t>
+            </a:r>
+          </a:p>
+          <a:p>
+            <a:pPr marL="76200" indent="0">
+              <a:spcBef>
+                <a:spcPts val="0"/>
+              </a:spcBef>
+              <a:buNone/>
+            </a:pPr>
+            <a:r>
+              <a:rPr lang="es-AR" sz="2000" dirty="0">
+                <a:solidFill>
+                  <a:srgbClr val="000000"/>
+                </a:solidFill>
+                <a:highlight>
+                  <a:srgbClr val="FFFFFF"/>
+                </a:highlight>
+                <a:latin typeface="Consolas" panose="020B0609020204030204" pitchFamily="49" charset="0"/>
+              </a:rPr>
+              <a:t>    { }</a:t>
+            </a:r>
+          </a:p>
+          <a:p>
+            <a:pPr marL="76200" indent="0">
+              <a:spcBef>
+                <a:spcPts val="0"/>
+              </a:spcBef>
+              <a:buNone/>
+            </a:pPr>
+            <a:r>
+              <a:rPr lang="en-US" sz="2000" dirty="0">
+                <a:solidFill>
+                  <a:srgbClr val="000000"/>
+                </a:solidFill>
+                <a:highlight>
+                  <a:srgbClr val="FFFFFF"/>
+                </a:highlight>
+                <a:latin typeface="Consolas" panose="020B0609020204030204" pitchFamily="49" charset="0"/>
+              </a:rPr>
+              <a:t>    </a:t>
+            </a:r>
+            <a:r>
+              <a:rPr lang="en-US" sz="2000" dirty="0">
+                <a:solidFill>
+                  <a:srgbClr val="0000FF"/>
+                </a:solidFill>
+                <a:highlight>
+                  <a:srgbClr val="FFFFFF"/>
+                </a:highlight>
+                <a:latin typeface="Consolas" panose="020B0609020204030204" pitchFamily="49" charset="0"/>
+              </a:rPr>
+              <a:t>public</a:t>
+            </a:r>
+            <a:r>
+              <a:rPr lang="en-US" sz="2000" dirty="0">
+                <a:solidFill>
+                  <a:srgbClr val="000000"/>
+                </a:solidFill>
+                <a:highlight>
+                  <a:srgbClr val="FFFFFF"/>
+                </a:highlight>
+                <a:latin typeface="Consolas" panose="020B0609020204030204" pitchFamily="49" charset="0"/>
+              </a:rPr>
+              <a:t> </a:t>
+            </a:r>
+            <a:r>
+              <a:rPr lang="en-US" sz="2000" dirty="0">
+                <a:solidFill>
+                  <a:srgbClr val="0000FF"/>
+                </a:solidFill>
+                <a:highlight>
+                  <a:srgbClr val="FFFFFF"/>
+                </a:highlight>
+                <a:latin typeface="Consolas" panose="020B0609020204030204" pitchFamily="49" charset="0"/>
+              </a:rPr>
+              <a:t>virtual</a:t>
+            </a:r>
+            <a:r>
+              <a:rPr lang="en-US" sz="2000" dirty="0">
+                <a:solidFill>
+                  <a:srgbClr val="000000"/>
+                </a:solidFill>
+                <a:highlight>
+                  <a:srgbClr val="FFFFFF"/>
+                </a:highlight>
+                <a:latin typeface="Consolas" panose="020B0609020204030204" pitchFamily="49" charset="0"/>
+              </a:rPr>
+              <a:t> </a:t>
+            </a:r>
+            <a:r>
+              <a:rPr lang="en-US" sz="2000" dirty="0">
+                <a:solidFill>
+                  <a:srgbClr val="0000FF"/>
+                </a:solidFill>
+                <a:highlight>
+                  <a:srgbClr val="FFFFFF"/>
+                </a:highlight>
+                <a:latin typeface="Consolas" panose="020B0609020204030204" pitchFamily="49" charset="0"/>
+              </a:rPr>
+              <a:t>void</a:t>
+            </a:r>
+            <a:r>
+              <a:rPr lang="en-US" sz="2000" dirty="0">
+                <a:solidFill>
+                  <a:srgbClr val="000000"/>
+                </a:solidFill>
+                <a:highlight>
+                  <a:srgbClr val="FFFFFF"/>
+                </a:highlight>
+                <a:latin typeface="Consolas" panose="020B0609020204030204" pitchFamily="49" charset="0"/>
+              </a:rPr>
+              <a:t> N(</a:t>
+            </a:r>
+            <a:r>
+              <a:rPr lang="en-US" sz="2000" dirty="0" err="1">
+                <a:solidFill>
+                  <a:srgbClr val="0000FF"/>
+                </a:solidFill>
+                <a:highlight>
+                  <a:srgbClr val="FFFFFF"/>
+                </a:highlight>
+                <a:latin typeface="Consolas" panose="020B0609020204030204" pitchFamily="49" charset="0"/>
+              </a:rPr>
+              <a:t>int</a:t>
+            </a:r>
+            <a:r>
+              <a:rPr lang="en-US" sz="2000" dirty="0">
+                <a:solidFill>
+                  <a:srgbClr val="000000"/>
+                </a:solidFill>
+                <a:highlight>
+                  <a:srgbClr val="FFFFFF"/>
+                </a:highlight>
+                <a:latin typeface="Consolas" panose="020B0609020204030204" pitchFamily="49" charset="0"/>
+              </a:rPr>
+              <a:t> a1, </a:t>
+            </a:r>
+            <a:r>
+              <a:rPr lang="en-US" sz="2000" dirty="0" err="1">
+                <a:solidFill>
+                  <a:srgbClr val="0000FF"/>
+                </a:solidFill>
+                <a:highlight>
+                  <a:srgbClr val="FFFFFF"/>
+                </a:highlight>
+                <a:latin typeface="Consolas" panose="020B0609020204030204" pitchFamily="49" charset="0"/>
+              </a:rPr>
+              <a:t>int</a:t>
+            </a:r>
+            <a:r>
+              <a:rPr lang="en-US" sz="2000" dirty="0">
+                <a:solidFill>
+                  <a:srgbClr val="000000"/>
+                </a:solidFill>
+                <a:highlight>
+                  <a:srgbClr val="FFFFFF"/>
+                </a:highlight>
+                <a:latin typeface="Consolas" panose="020B0609020204030204" pitchFamily="49" charset="0"/>
+              </a:rPr>
+              <a:t> a2, </a:t>
+            </a:r>
+            <a:r>
+              <a:rPr lang="en-US" sz="2000" dirty="0" err="1">
+                <a:solidFill>
+                  <a:srgbClr val="0000FF"/>
+                </a:solidFill>
+                <a:highlight>
+                  <a:srgbClr val="FFFFFF"/>
+                </a:highlight>
+                <a:latin typeface="Consolas" panose="020B0609020204030204" pitchFamily="49" charset="0"/>
+              </a:rPr>
+              <a:t>int</a:t>
+            </a:r>
+            <a:r>
+              <a:rPr lang="en-US" sz="2000" dirty="0">
+                <a:solidFill>
+                  <a:srgbClr val="000000"/>
+                </a:solidFill>
+                <a:highlight>
+                  <a:srgbClr val="FFFFFF"/>
+                </a:highlight>
+                <a:latin typeface="Consolas" panose="020B0609020204030204" pitchFamily="49" charset="0"/>
+              </a:rPr>
+              <a:t> a3)</a:t>
+            </a:r>
+          </a:p>
+          <a:p>
+            <a:pPr marL="76200" indent="0">
+              <a:spcBef>
+                <a:spcPts val="0"/>
+              </a:spcBef>
+              <a:buNone/>
+            </a:pPr>
+            <a:r>
+              <a:rPr lang="es-AR" sz="2000" dirty="0">
+                <a:solidFill>
+                  <a:srgbClr val="000000"/>
+                </a:solidFill>
+                <a:highlight>
+                  <a:srgbClr val="FFFFFF"/>
+                </a:highlight>
+                <a:latin typeface="Consolas" panose="020B0609020204030204" pitchFamily="49" charset="0"/>
+              </a:rPr>
+              <a:t>    { }</a:t>
+            </a:r>
+          </a:p>
+          <a:p>
+            <a:pPr marL="76200" indent="0">
+              <a:spcBef>
+                <a:spcPts val="0"/>
+              </a:spcBef>
+              <a:buNone/>
+            </a:pPr>
+            <a:r>
+              <a:rPr lang="en-US" sz="2000" dirty="0">
+                <a:solidFill>
+                  <a:srgbClr val="000000"/>
+                </a:solidFill>
+                <a:highlight>
+                  <a:srgbClr val="FFFFFF"/>
+                </a:highlight>
+                <a:latin typeface="Consolas" panose="020B0609020204030204" pitchFamily="49" charset="0"/>
+              </a:rPr>
+              <a:t>    </a:t>
+            </a:r>
+            <a:r>
+              <a:rPr lang="en-US" sz="2000" dirty="0">
+                <a:solidFill>
+                  <a:srgbClr val="0000FF"/>
+                </a:solidFill>
+                <a:highlight>
+                  <a:srgbClr val="FFFFFF"/>
+                </a:highlight>
+                <a:latin typeface="Consolas" panose="020B0609020204030204" pitchFamily="49" charset="0"/>
+              </a:rPr>
+              <a:t>public</a:t>
+            </a:r>
+            <a:r>
+              <a:rPr lang="en-US" sz="2000" dirty="0">
+                <a:solidFill>
+                  <a:srgbClr val="000000"/>
+                </a:solidFill>
+                <a:highlight>
+                  <a:srgbClr val="FFFFFF"/>
+                </a:highlight>
+                <a:latin typeface="Consolas" panose="020B0609020204030204" pitchFamily="49" charset="0"/>
+              </a:rPr>
+              <a:t> </a:t>
+            </a:r>
+            <a:r>
+              <a:rPr lang="en-US" sz="2000" dirty="0">
+                <a:solidFill>
+                  <a:srgbClr val="0000FF"/>
+                </a:solidFill>
+                <a:highlight>
+                  <a:srgbClr val="FFFFFF"/>
+                </a:highlight>
+                <a:latin typeface="Consolas" panose="020B0609020204030204" pitchFamily="49" charset="0"/>
+              </a:rPr>
+              <a:t>virtual</a:t>
+            </a:r>
+            <a:r>
+              <a:rPr lang="en-US" sz="2000" dirty="0">
+                <a:solidFill>
+                  <a:srgbClr val="000000"/>
+                </a:solidFill>
+                <a:highlight>
+                  <a:srgbClr val="FFFFFF"/>
+                </a:highlight>
+                <a:latin typeface="Consolas" panose="020B0609020204030204" pitchFamily="49" charset="0"/>
+              </a:rPr>
+              <a:t> </a:t>
+            </a:r>
+            <a:r>
+              <a:rPr lang="en-US" sz="2000" dirty="0">
+                <a:solidFill>
+                  <a:srgbClr val="0000FF"/>
+                </a:solidFill>
+                <a:highlight>
+                  <a:srgbClr val="FFFFFF"/>
+                </a:highlight>
+                <a:latin typeface="Consolas" panose="020B0609020204030204" pitchFamily="49" charset="0"/>
+              </a:rPr>
+              <a:t>void</a:t>
+            </a:r>
+            <a:r>
+              <a:rPr lang="en-US" sz="2000" dirty="0">
+                <a:solidFill>
+                  <a:srgbClr val="000000"/>
+                </a:solidFill>
+                <a:highlight>
+                  <a:srgbClr val="FFFFFF"/>
+                </a:highlight>
+                <a:latin typeface="Consolas" panose="020B0609020204030204" pitchFamily="49" charset="0"/>
+              </a:rPr>
+              <a:t> Z(</a:t>
+            </a:r>
+            <a:r>
+              <a:rPr lang="en-US" sz="2000" dirty="0" err="1">
+                <a:solidFill>
+                  <a:srgbClr val="0000FF"/>
+                </a:solidFill>
+                <a:highlight>
+                  <a:srgbClr val="FFFFFF"/>
+                </a:highlight>
+                <a:latin typeface="Consolas" panose="020B0609020204030204" pitchFamily="49" charset="0"/>
+              </a:rPr>
+              <a:t>int</a:t>
+            </a:r>
+            <a:r>
+              <a:rPr lang="en-US" sz="2000" dirty="0">
+                <a:solidFill>
+                  <a:srgbClr val="000000"/>
+                </a:solidFill>
+                <a:highlight>
+                  <a:srgbClr val="FFFFFF"/>
+                </a:highlight>
+                <a:latin typeface="Consolas" panose="020B0609020204030204" pitchFamily="49" charset="0"/>
+              </a:rPr>
+              <a:t> a1, </a:t>
+            </a:r>
+            <a:r>
+              <a:rPr lang="en-US" sz="2000" dirty="0" err="1">
+                <a:solidFill>
+                  <a:srgbClr val="0000FF"/>
+                </a:solidFill>
+                <a:highlight>
+                  <a:srgbClr val="FFFFFF"/>
+                </a:highlight>
+                <a:latin typeface="Consolas" panose="020B0609020204030204" pitchFamily="49" charset="0"/>
+              </a:rPr>
+              <a:t>int</a:t>
+            </a:r>
+            <a:r>
+              <a:rPr lang="en-US" sz="2000" dirty="0">
+                <a:solidFill>
+                  <a:srgbClr val="000000"/>
+                </a:solidFill>
+                <a:highlight>
+                  <a:srgbClr val="FFFFFF"/>
+                </a:highlight>
+                <a:latin typeface="Consolas" panose="020B0609020204030204" pitchFamily="49" charset="0"/>
+              </a:rPr>
+              <a:t> a2)</a:t>
+            </a:r>
+          </a:p>
+          <a:p>
+            <a:pPr marL="76200" indent="0">
+              <a:spcBef>
+                <a:spcPts val="0"/>
+              </a:spcBef>
+              <a:buNone/>
+            </a:pPr>
+            <a:r>
+              <a:rPr lang="es-AR" sz="2000" dirty="0">
+                <a:solidFill>
+                  <a:srgbClr val="000000"/>
+                </a:solidFill>
+                <a:highlight>
+                  <a:srgbClr val="FFFFFF"/>
+                </a:highlight>
+                <a:latin typeface="Consolas" panose="020B0609020204030204" pitchFamily="49" charset="0"/>
+              </a:rPr>
+              <a:t>    { }</a:t>
+            </a:r>
+          </a:p>
+          <a:p>
+            <a:pPr marL="76200" indent="0">
+              <a:spcBef>
+                <a:spcPts val="0"/>
+              </a:spcBef>
+              <a:buNone/>
+            </a:pPr>
+            <a:r>
+              <a:rPr lang="es-AR" sz="2000" dirty="0">
+                <a:solidFill>
+                  <a:srgbClr val="000000"/>
+                </a:solidFill>
+                <a:highlight>
+                  <a:srgbClr val="FFFFFF"/>
+                </a:highlight>
+                <a:latin typeface="Consolas" panose="020B0609020204030204" pitchFamily="49" charset="0"/>
+              </a:rPr>
+              <a:t>}</a:t>
+            </a:r>
+          </a:p>
+          <a:p>
+            <a:pPr marL="76200" indent="0">
+              <a:spcBef>
+                <a:spcPts val="0"/>
+              </a:spcBef>
+              <a:buNone/>
+            </a:pPr>
+            <a:endParaRPr lang="es-AR" sz="2000" dirty="0">
+              <a:solidFill>
+                <a:srgbClr val="0000FF"/>
+              </a:solidFill>
+              <a:highlight>
+                <a:srgbClr val="FFFFFF"/>
+              </a:highlight>
+              <a:latin typeface="Consolas" panose="020B0609020204030204" pitchFamily="49" charset="0"/>
+            </a:endParaRPr>
+          </a:p>
+          <a:p>
+            <a:pPr marL="76200" indent="0">
+              <a:spcBef>
+                <a:spcPts val="0"/>
+              </a:spcBef>
+              <a:buNone/>
+            </a:pPr>
+            <a:r>
+              <a:rPr lang="es-AR" sz="2000" dirty="0" err="1">
+                <a:solidFill>
+                  <a:srgbClr val="0000FF"/>
+                </a:solidFill>
+                <a:highlight>
+                  <a:srgbClr val="FFFFFF"/>
+                </a:highlight>
+                <a:latin typeface="Consolas" panose="020B0609020204030204" pitchFamily="49" charset="0"/>
+              </a:rPr>
+              <a:t>public</a:t>
+            </a:r>
+            <a:r>
+              <a:rPr lang="es-AR" sz="2000" dirty="0">
+                <a:solidFill>
+                  <a:srgbClr val="000000"/>
+                </a:solidFill>
+                <a:highlight>
+                  <a:srgbClr val="FFFFFF"/>
+                </a:highlight>
+                <a:latin typeface="Consolas" panose="020B0609020204030204" pitchFamily="49" charset="0"/>
+              </a:rPr>
+              <a:t> </a:t>
+            </a:r>
+            <a:r>
+              <a:rPr lang="es-AR" sz="2000" dirty="0" err="1">
+                <a:solidFill>
+                  <a:srgbClr val="0000FF"/>
+                </a:solidFill>
+                <a:highlight>
+                  <a:srgbClr val="FFFFFF"/>
+                </a:highlight>
+                <a:latin typeface="Consolas" panose="020B0609020204030204" pitchFamily="49" charset="0"/>
+              </a:rPr>
+              <a:t>class</a:t>
+            </a:r>
+            <a:r>
+              <a:rPr lang="es-AR" sz="2000" dirty="0">
+                <a:solidFill>
+                  <a:srgbClr val="000000"/>
+                </a:solidFill>
+                <a:highlight>
+                  <a:srgbClr val="FFFFFF"/>
+                </a:highlight>
+                <a:latin typeface="Consolas" panose="020B0609020204030204" pitchFamily="49" charset="0"/>
+              </a:rPr>
+              <a:t> </a:t>
+            </a:r>
+            <a:r>
+              <a:rPr lang="es-AR" sz="2000" dirty="0" err="1">
+                <a:solidFill>
+                  <a:srgbClr val="2B91AF"/>
+                </a:solidFill>
+                <a:highlight>
+                  <a:srgbClr val="FFFFFF"/>
+                </a:highlight>
+                <a:latin typeface="Consolas" panose="020B0609020204030204" pitchFamily="49" charset="0"/>
+              </a:rPr>
+              <a:t>C_Derivada</a:t>
+            </a:r>
+            <a:r>
+              <a:rPr lang="es-AR" sz="2000" dirty="0">
+                <a:solidFill>
+                  <a:srgbClr val="000000"/>
+                </a:solidFill>
+                <a:highlight>
+                  <a:srgbClr val="FFFFFF"/>
+                </a:highlight>
+                <a:latin typeface="Consolas" panose="020B0609020204030204" pitchFamily="49" charset="0"/>
+              </a:rPr>
+              <a:t> : </a:t>
+            </a:r>
+            <a:r>
+              <a:rPr lang="es-AR" sz="2000" dirty="0">
+                <a:solidFill>
+                  <a:srgbClr val="2B91AF"/>
+                </a:solidFill>
+                <a:highlight>
+                  <a:srgbClr val="FFFFFF"/>
+                </a:highlight>
+                <a:latin typeface="Consolas" panose="020B0609020204030204" pitchFamily="49" charset="0"/>
+              </a:rPr>
+              <a:t>C</a:t>
             </a:r>
             <a:endParaRPr lang="es-AR" sz="2000" dirty="0">
               <a:solidFill>
@@ -10607,136 +11096,16 @@
               <a:buNone/>
             </a:pPr>
             <a:r>
-              <a:rPr lang="en-US" sz="2000" dirty="0" smtClean="0">
-                <a:solidFill>
-                  <a:srgbClr val="000000"/>
-                </a:solidFill>
-                <a:highlight>
-                  <a:srgbClr val="FFFFFF"/>
-                </a:highlight>
-                <a:latin typeface="Consolas" panose="020B0609020204030204" pitchFamily="49" charset="0"/>
-              </a:rPr>
-              <a:t>    </a:t>
-            </a:r>
-            <a:r>
-              <a:rPr lang="en-US" sz="2000" dirty="0">
-                <a:solidFill>
-                  <a:srgbClr val="0000FF"/>
-                </a:solidFill>
-                <a:highlight>
-                  <a:srgbClr val="FFFFFF"/>
-                </a:highlight>
-                <a:latin typeface="Consolas" panose="020B0609020204030204" pitchFamily="49" charset="0"/>
-              </a:rPr>
-              <a:t>public</a:t>
-            </a:r>
-            <a:r>
-              <a:rPr lang="en-US" sz="2000" dirty="0">
-                <a:solidFill>
-                  <a:srgbClr val="000000"/>
-                </a:solidFill>
-                <a:highlight>
-                  <a:srgbClr val="FFFFFF"/>
-                </a:highlight>
-                <a:latin typeface="Consolas" panose="020B0609020204030204" pitchFamily="49" charset="0"/>
-              </a:rPr>
-              <a:t> </a:t>
-            </a:r>
-            <a:r>
-              <a:rPr lang="en-US" sz="2000" dirty="0">
-                <a:solidFill>
-                  <a:srgbClr val="0000FF"/>
-                </a:solidFill>
-                <a:highlight>
-                  <a:srgbClr val="FFFFFF"/>
-                </a:highlight>
-                <a:latin typeface="Consolas" panose="020B0609020204030204" pitchFamily="49" charset="0"/>
-              </a:rPr>
-              <a:t>virtual</a:t>
-            </a:r>
-            <a:r>
-              <a:rPr lang="en-US" sz="2000" dirty="0">
-                <a:solidFill>
-                  <a:srgbClr val="000000"/>
-                </a:solidFill>
-                <a:highlight>
-                  <a:srgbClr val="FFFFFF"/>
-                </a:highlight>
-                <a:latin typeface="Consolas" panose="020B0609020204030204" pitchFamily="49" charset="0"/>
-              </a:rPr>
-              <a:t> </a:t>
-            </a:r>
-            <a:r>
-              <a:rPr lang="en-US" sz="2000" dirty="0">
-                <a:solidFill>
-                  <a:srgbClr val="0000FF"/>
-                </a:solidFill>
-                <a:highlight>
-                  <a:srgbClr val="FFFFFF"/>
-                </a:highlight>
-                <a:latin typeface="Consolas" panose="020B0609020204030204" pitchFamily="49" charset="0"/>
-              </a:rPr>
-              <a:t>void</a:t>
-            </a:r>
-            <a:r>
-              <a:rPr lang="en-US" sz="2000" dirty="0">
-                <a:solidFill>
-                  <a:srgbClr val="000000"/>
-                </a:solidFill>
-                <a:highlight>
-                  <a:srgbClr val="FFFFFF"/>
-                </a:highlight>
-                <a:latin typeface="Consolas" panose="020B0609020204030204" pitchFamily="49" charset="0"/>
-              </a:rPr>
-              <a:t> N(</a:t>
-            </a:r>
-            <a:r>
-              <a:rPr lang="en-US" sz="2000" dirty="0" err="1">
-                <a:solidFill>
-                  <a:srgbClr val="0000FF"/>
-                </a:solidFill>
-                <a:highlight>
-                  <a:srgbClr val="FFFFFF"/>
-                </a:highlight>
-                <a:latin typeface="Consolas" panose="020B0609020204030204" pitchFamily="49" charset="0"/>
-              </a:rPr>
-              <a:t>int</a:t>
-            </a:r>
-            <a:r>
-              <a:rPr lang="en-US" sz="2000" dirty="0">
-                <a:solidFill>
-                  <a:srgbClr val="000000"/>
-                </a:solidFill>
-                <a:highlight>
-                  <a:srgbClr val="FFFFFF"/>
-                </a:highlight>
-                <a:latin typeface="Consolas" panose="020B0609020204030204" pitchFamily="49" charset="0"/>
-              </a:rPr>
-              <a:t> a1, </a:t>
-            </a:r>
-            <a:r>
-              <a:rPr lang="en-US" sz="2000" dirty="0" err="1">
-                <a:solidFill>
-                  <a:srgbClr val="0000FF"/>
-                </a:solidFill>
-                <a:highlight>
-                  <a:srgbClr val="FFFFFF"/>
-                </a:highlight>
-                <a:latin typeface="Consolas" panose="020B0609020204030204" pitchFamily="49" charset="0"/>
-              </a:rPr>
-              <a:t>int</a:t>
-            </a:r>
-            <a:r>
-              <a:rPr lang="en-US" sz="2000" dirty="0">
-                <a:solidFill>
-                  <a:srgbClr val="000000"/>
-                </a:solidFill>
-                <a:highlight>
-                  <a:srgbClr val="FFFFFF"/>
-                </a:highlight>
-                <a:latin typeface="Consolas" panose="020B0609020204030204" pitchFamily="49" charset="0"/>
-              </a:rPr>
-              <a:t> a2)</a:t>
+              <a:rPr lang="es-AR" sz="2000" dirty="0">
+                <a:solidFill>
+                  <a:srgbClr val="000000"/>
+                </a:solidFill>
+                <a:highlight>
+                  <a:srgbClr val="FFFFFF"/>
+                </a:highlight>
+                <a:latin typeface="Consolas" panose="020B0609020204030204" pitchFamily="49" charset="0"/>
+              </a:rPr>
+              <a:t>{</a:t>
             </a:r>
           </a:p>
           <a:p>
@@ -10747,18 +11116,6 @@
               <a:buNone/>
             </a:pPr>
             <a:r>
-              <a:rPr lang="es-AR" sz="2000" dirty="0" smtClean="0">
-                <a:solidFill>
-                  <a:srgbClr val="000000"/>
-                </a:solidFill>
-                <a:highlight>
-                  <a:srgbClr val="FFFFFF"/>
-                </a:highlight>
-                <a:latin typeface="Consolas" panose="020B0609020204030204" pitchFamily="49" charset="0"/>
-              </a:rPr>
-              <a:t>    { </a:t>
-            </a:r>
-            <a:r>
               <a:rPr lang="es-AR" sz="2000" dirty="0">
                 <a:solidFill>
                   <a:srgbClr val="000000"/>
@@ -10768,7 +11125,127 @@
                 </a:highlight>
                 <a:latin typeface="Consolas" panose="020B0609020204030204" pitchFamily="49" charset="0"/>
               </a:rPr>
-              <a:t>}</a:t>
+              <a:t>    </a:t>
+            </a:r>
+            <a:r>
+              <a:rPr lang="es-AR" sz="2000" dirty="0" err="1">
+                <a:solidFill>
+                  <a:srgbClr val="0000FF"/>
+                </a:solidFill>
+                <a:highlight>
+                  <a:srgbClr val="FFFFFF"/>
+                </a:highlight>
+                <a:latin typeface="Consolas" panose="020B0609020204030204" pitchFamily="49" charset="0"/>
+              </a:rPr>
+              <a:t>public</a:t>
+            </a:r>
+            <a:r>
+              <a:rPr lang="es-AR" sz="2000" dirty="0">
+                <a:solidFill>
+                  <a:srgbClr val="000000"/>
+                </a:solidFill>
+                <a:highlight>
+                  <a:srgbClr val="FFFFFF"/>
+                </a:highlight>
+                <a:latin typeface="Consolas" panose="020B0609020204030204" pitchFamily="49" charset="0"/>
+              </a:rPr>
+              <a:t> </a:t>
+            </a:r>
+            <a:r>
+              <a:rPr lang="es-AR" sz="2000" dirty="0" err="1">
+                <a:solidFill>
+                  <a:srgbClr val="0000FF"/>
+                </a:solidFill>
+                <a:highlight>
+                  <a:srgbClr val="FFFFFF"/>
+                </a:highlight>
+                <a:latin typeface="Consolas" panose="020B0609020204030204" pitchFamily="49" charset="0"/>
+              </a:rPr>
+              <a:t>override</a:t>
+            </a:r>
+            <a:r>
+              <a:rPr lang="es-AR" sz="2000" dirty="0">
+                <a:solidFill>
+                  <a:srgbClr val="000000"/>
+                </a:solidFill>
+                <a:highlight>
+                  <a:srgbClr val="FFFFFF"/>
+                </a:highlight>
+                <a:latin typeface="Consolas" panose="020B0609020204030204" pitchFamily="49" charset="0"/>
+              </a:rPr>
+              <a:t> </a:t>
+            </a:r>
+            <a:r>
+              <a:rPr lang="es-AR" sz="2000" dirty="0" err="1">
+                <a:solidFill>
+                  <a:srgbClr val="0000FF"/>
+                </a:solidFill>
+                <a:highlight>
+                  <a:srgbClr val="FFFFFF"/>
+                </a:highlight>
+                <a:latin typeface="Consolas" panose="020B0609020204030204" pitchFamily="49" charset="0"/>
+              </a:rPr>
+              <a:t>void</a:t>
+            </a:r>
+            <a:r>
+              <a:rPr lang="es-AR" sz="2000" dirty="0">
+                <a:solidFill>
+                  <a:srgbClr val="000000"/>
+                </a:solidFill>
+                <a:highlight>
+                  <a:srgbClr val="FFFFFF"/>
+                </a:highlight>
+                <a:latin typeface="Consolas" panose="020B0609020204030204" pitchFamily="49" charset="0"/>
+              </a:rPr>
+              <a:t> N(</a:t>
+            </a:r>
+            <a:r>
+              <a:rPr lang="es-AR" sz="2000" dirty="0" err="1">
+                <a:solidFill>
+                  <a:srgbClr val="0000FF"/>
+                </a:solidFill>
+                <a:highlight>
+                  <a:srgbClr val="FFFFFF"/>
+                </a:highlight>
+                <a:latin typeface="Consolas" panose="020B0609020204030204" pitchFamily="49" charset="0"/>
+              </a:rPr>
+              <a:t>int</a:t>
+            </a:r>
+            <a:r>
+              <a:rPr lang="es-AR" sz="2000" dirty="0">
+                <a:solidFill>
+                  <a:srgbClr val="000000"/>
+                </a:solidFill>
+                <a:highlight>
+                  <a:srgbClr val="FFFFFF"/>
+                </a:highlight>
+                <a:latin typeface="Consolas" panose="020B0609020204030204" pitchFamily="49" charset="0"/>
+              </a:rPr>
+              <a:t> a1, </a:t>
+            </a:r>
+            <a:r>
+              <a:rPr lang="es-AR" sz="2000" dirty="0" err="1">
+                <a:solidFill>
+                  <a:srgbClr val="0000FF"/>
+                </a:solidFill>
+                <a:highlight>
+                  <a:srgbClr val="FFFFFF"/>
+                </a:highlight>
+                <a:latin typeface="Consolas" panose="020B0609020204030204" pitchFamily="49" charset="0"/>
+              </a:rPr>
+              <a:t>int</a:t>
+            </a:r>
+            <a:r>
+              <a:rPr lang="es-AR" sz="2000" dirty="0">
+                <a:solidFill>
+                  <a:srgbClr val="000000"/>
+                </a:solidFill>
+                <a:highlight>
+                  <a:srgbClr val="FFFFFF"/>
+                </a:highlight>
+                <a:latin typeface="Consolas" panose="020B0609020204030204" pitchFamily="49" charset="0"/>
+              </a:rPr>
+              <a:t> a2)</a:t>
             </a:r>
           </a:p>
           <a:p>
@@ -10779,160 +11256,16 @@
               <a:buNone/>
             </a:pPr>
             <a:r>
-              <a:rPr lang="en-US" sz="2000" dirty="0" smtClean="0">
-                <a:solidFill>
-                  <a:srgbClr val="000000"/>
-                </a:solidFill>
-                <a:highlight>
-                  <a:srgbClr val="FFFFFF"/>
-                </a:highlight>
-                <a:latin typeface="Consolas" panose="020B0609020204030204" pitchFamily="49" charset="0"/>
-              </a:rPr>
-              <a:t>    </a:t>
-            </a:r>
-            <a:r>
-              <a:rPr lang="en-US" sz="2000" dirty="0">
-                <a:solidFill>
-                  <a:srgbClr val="0000FF"/>
-                </a:solidFill>
-                <a:highlight>
-                  <a:srgbClr val="FFFFFF"/>
-                </a:highlight>
-                <a:latin typeface="Consolas" panose="020B0609020204030204" pitchFamily="49" charset="0"/>
-              </a:rPr>
-              <a:t>public</a:t>
-            </a:r>
-            <a:r>
-              <a:rPr lang="en-US" sz="2000" dirty="0">
-                <a:solidFill>
-                  <a:srgbClr val="000000"/>
-                </a:solidFill>
-                <a:highlight>
-                  <a:srgbClr val="FFFFFF"/>
-                </a:highlight>
-                <a:latin typeface="Consolas" panose="020B0609020204030204" pitchFamily="49" charset="0"/>
-              </a:rPr>
-              <a:t> </a:t>
-            </a:r>
-            <a:r>
-              <a:rPr lang="en-US" sz="2000" dirty="0">
-                <a:solidFill>
-                  <a:srgbClr val="0000FF"/>
-                </a:solidFill>
-                <a:highlight>
-                  <a:srgbClr val="FFFFFF"/>
-                </a:highlight>
-                <a:latin typeface="Consolas" panose="020B0609020204030204" pitchFamily="49" charset="0"/>
-              </a:rPr>
-              <a:t>virtual</a:t>
-            </a:r>
-            <a:r>
-              <a:rPr lang="en-US" sz="2000" dirty="0">
-                <a:solidFill>
-                  <a:srgbClr val="000000"/>
-                </a:solidFill>
-                <a:highlight>
-                  <a:srgbClr val="FFFFFF"/>
-                </a:highlight>
-                <a:latin typeface="Consolas" panose="020B0609020204030204" pitchFamily="49" charset="0"/>
-              </a:rPr>
-              <a:t> </a:t>
-            </a:r>
-            <a:r>
-              <a:rPr lang="en-US" sz="2000" dirty="0">
-                <a:solidFill>
-                  <a:srgbClr val="0000FF"/>
-                </a:solidFill>
-                <a:highlight>
-                  <a:srgbClr val="FFFFFF"/>
-                </a:highlight>
-                <a:latin typeface="Consolas" panose="020B0609020204030204" pitchFamily="49" charset="0"/>
-              </a:rPr>
-              <a:t>void</a:t>
-            </a:r>
-            <a:r>
-              <a:rPr lang="en-US" sz="2000" dirty="0">
-                <a:solidFill>
-                  <a:srgbClr val="000000"/>
-                </a:solidFill>
-                <a:highlight>
-                  <a:srgbClr val="FFFFFF"/>
-                </a:highlight>
-                <a:latin typeface="Consolas" panose="020B0609020204030204" pitchFamily="49" charset="0"/>
-              </a:rPr>
-              <a:t> N(</a:t>
-            </a:r>
-            <a:r>
-              <a:rPr lang="en-US" sz="2000" dirty="0" err="1">
-                <a:solidFill>
-                  <a:srgbClr val="0000FF"/>
-                </a:solidFill>
-                <a:highlight>
-                  <a:srgbClr val="FFFFFF"/>
-                </a:highlight>
-                <a:latin typeface="Consolas" panose="020B0609020204030204" pitchFamily="49" charset="0"/>
-              </a:rPr>
-              <a:t>int</a:t>
-            </a:r>
-            <a:r>
-              <a:rPr lang="en-US" sz="2000" dirty="0">
-                <a:solidFill>
-                  <a:srgbClr val="000000"/>
-                </a:solidFill>
-                <a:highlight>
-                  <a:srgbClr val="FFFFFF"/>
-                </a:highlight>
-                <a:latin typeface="Consolas" panose="020B0609020204030204" pitchFamily="49" charset="0"/>
-              </a:rPr>
-              <a:t> a1, </a:t>
-            </a:r>
-            <a:r>
-              <a:rPr lang="en-US" sz="2000" dirty="0" err="1">
-                <a:solidFill>
-                  <a:srgbClr val="0000FF"/>
-                </a:solidFill>
-                <a:highlight>
-                  <a:srgbClr val="FFFFFF"/>
-                </a:highlight>
-                <a:latin typeface="Consolas" panose="020B0609020204030204" pitchFamily="49" charset="0"/>
-              </a:rPr>
-              <a:t>int</a:t>
-            </a:r>
-            <a:r>
-              <a:rPr lang="en-US" sz="2000" dirty="0">
-                <a:solidFill>
-                  <a:srgbClr val="000000"/>
-                </a:solidFill>
-                <a:highlight>
-                  <a:srgbClr val="FFFFFF"/>
-                </a:highlight>
-                <a:latin typeface="Consolas" panose="020B0609020204030204" pitchFamily="49" charset="0"/>
-              </a:rPr>
-              <a:t> a2, </a:t>
-            </a:r>
-            <a:r>
-              <a:rPr lang="en-US" sz="2000" dirty="0" err="1">
-                <a:solidFill>
-                  <a:srgbClr val="0000FF"/>
-                </a:solidFill>
-                <a:highlight>
-                  <a:srgbClr val="FFFFFF"/>
-                </a:highlight>
-                <a:latin typeface="Consolas" panose="020B0609020204030204" pitchFamily="49" charset="0"/>
-              </a:rPr>
-              <a:t>int</a:t>
-            </a:r>
-            <a:r>
-              <a:rPr lang="en-US" sz="2000" dirty="0">
-                <a:solidFill>
-                  <a:srgbClr val="000000"/>
-                </a:solidFill>
-                <a:highlight>
-                  <a:srgbClr val="FFFFFF"/>
-                </a:highlight>
-                <a:latin typeface="Consolas" panose="020B0609020204030204" pitchFamily="49" charset="0"/>
-              </a:rPr>
-              <a:t> a3)</a:t>
+              <a:rPr lang="es-AR" sz="2000" dirty="0">
+                <a:solidFill>
+                  <a:srgbClr val="000000"/>
+                </a:solidFill>
+                <a:highlight>
+                  <a:srgbClr val="FFFFFF"/>
+                </a:highlight>
+                <a:latin typeface="Consolas" panose="020B0609020204030204" pitchFamily="49" charset="0"/>
+              </a:rPr>
+              <a:t>    { }</a:t>
             </a:r>
           </a:p>
           <a:p>
@@ -10952,576 +11285,9 @@
                 </a:highlight>
                 <a:latin typeface="Consolas" panose="020B0609020204030204" pitchFamily="49" charset="0"/>
               </a:rPr>
-              <a:t>    </a:t>
-            </a:r>
-            <a:r>
-              <a:rPr lang="es-AR" sz="2000" dirty="0" smtClean="0">
-                <a:solidFill>
-                  <a:srgbClr val="000000"/>
-                </a:solidFill>
-                <a:highlight>
-                  <a:srgbClr val="FFFFFF"/>
-                </a:highlight>
-                <a:latin typeface="Consolas" panose="020B0609020204030204" pitchFamily="49" charset="0"/>
-              </a:rPr>
-              <a:t>{ </a:t>
-            </a:r>
-            <a:r>
-              <a:rPr lang="es-AR" sz="2000" dirty="0">
-                <a:solidFill>
-                  <a:srgbClr val="000000"/>
-                </a:solidFill>
-                <a:highlight>
-                  <a:srgbClr val="FFFFFF"/>
-                </a:highlight>
-                <a:latin typeface="Consolas" panose="020B0609020204030204" pitchFamily="49" charset="0"/>
-              </a:rPr>
               <a:t>}</a:t>
             </a:r>
-          </a:p>
-          <a:p>
-            <a:pPr marL="76200" indent="0">
-              <a:spcBef>
-                <a:spcPts val="0"/>
-              </a:spcBef>
-              <a:buNone/>
-            </a:pPr>
-            <a:r>
-              <a:rPr lang="en-US" sz="2000" dirty="0">
-                <a:solidFill>
-                  <a:srgbClr val="000000"/>
-                </a:solidFill>
-                <a:highlight>
-                  <a:srgbClr val="FFFFFF"/>
-                </a:highlight>
-                <a:latin typeface="Consolas" panose="020B0609020204030204" pitchFamily="49" charset="0"/>
-              </a:rPr>
-              <a:t>    </a:t>
-            </a:r>
-            <a:r>
-              <a:rPr lang="en-US" sz="2000" dirty="0" smtClean="0">
-                <a:solidFill>
-                  <a:srgbClr val="0000FF"/>
-                </a:solidFill>
-                <a:highlight>
-                  <a:srgbClr val="FFFFFF"/>
-                </a:highlight>
-                <a:latin typeface="Consolas" panose="020B0609020204030204" pitchFamily="49" charset="0"/>
-              </a:rPr>
-              <a:t>public</a:t>
-            </a:r>
-            <a:r>
-              <a:rPr lang="en-US" sz="2000" dirty="0" smtClean="0">
-                <a:solidFill>
-                  <a:srgbClr val="000000"/>
-                </a:solidFill>
-                <a:highlight>
-                  <a:srgbClr val="FFFFFF"/>
-                </a:highlight>
-                <a:latin typeface="Consolas" panose="020B0609020204030204" pitchFamily="49" charset="0"/>
-              </a:rPr>
-              <a:t> </a:t>
-            </a:r>
-            <a:r>
-              <a:rPr lang="en-US" sz="2000" dirty="0">
-                <a:solidFill>
-                  <a:srgbClr val="0000FF"/>
-                </a:solidFill>
-                <a:highlight>
-                  <a:srgbClr val="FFFFFF"/>
-                </a:highlight>
-                <a:latin typeface="Consolas" panose="020B0609020204030204" pitchFamily="49" charset="0"/>
-              </a:rPr>
-              <a:t>virtual</a:t>
-            </a:r>
-            <a:r>
-              <a:rPr lang="en-US" sz="2000" dirty="0">
-                <a:solidFill>
-                  <a:srgbClr val="000000"/>
-                </a:solidFill>
-                <a:highlight>
-                  <a:srgbClr val="FFFFFF"/>
-                </a:highlight>
-                <a:latin typeface="Consolas" panose="020B0609020204030204" pitchFamily="49" charset="0"/>
-              </a:rPr>
-              <a:t> </a:t>
-            </a:r>
-            <a:r>
-              <a:rPr lang="en-US" sz="2000" dirty="0">
-                <a:solidFill>
-                  <a:srgbClr val="0000FF"/>
-                </a:solidFill>
-                <a:highlight>
-                  <a:srgbClr val="FFFFFF"/>
-                </a:highlight>
-                <a:latin typeface="Consolas" panose="020B0609020204030204" pitchFamily="49" charset="0"/>
-              </a:rPr>
-              <a:t>void</a:t>
-            </a:r>
-            <a:r>
-              <a:rPr lang="en-US" sz="2000" dirty="0">
-                <a:solidFill>
-                  <a:srgbClr val="000000"/>
-                </a:solidFill>
-                <a:highlight>
-                  <a:srgbClr val="FFFFFF"/>
-                </a:highlight>
-                <a:latin typeface="Consolas" panose="020B0609020204030204" pitchFamily="49" charset="0"/>
-              </a:rPr>
-              <a:t> Z(</a:t>
-            </a:r>
-            <a:r>
-              <a:rPr lang="en-US" sz="2000" dirty="0" err="1">
-                <a:solidFill>
-                  <a:srgbClr val="0000FF"/>
-                </a:solidFill>
-                <a:highlight>
-                  <a:srgbClr val="FFFFFF"/>
-                </a:highlight>
-                <a:latin typeface="Consolas" panose="020B0609020204030204" pitchFamily="49" charset="0"/>
-              </a:rPr>
-              <a:t>int</a:t>
-            </a:r>
-            <a:r>
-              <a:rPr lang="en-US" sz="2000" dirty="0">
-                <a:solidFill>
-                  <a:srgbClr val="000000"/>
-                </a:solidFill>
-                <a:highlight>
-                  <a:srgbClr val="FFFFFF"/>
-                </a:highlight>
-                <a:latin typeface="Consolas" panose="020B0609020204030204" pitchFamily="49" charset="0"/>
-              </a:rPr>
-              <a:t> a1, </a:t>
-            </a:r>
-            <a:r>
-              <a:rPr lang="en-US" sz="2000" dirty="0" err="1">
-                <a:solidFill>
-                  <a:srgbClr val="0000FF"/>
-                </a:solidFill>
-                <a:highlight>
-                  <a:srgbClr val="FFFFFF"/>
-                </a:highlight>
-                <a:latin typeface="Consolas" panose="020B0609020204030204" pitchFamily="49" charset="0"/>
-              </a:rPr>
-              <a:t>int</a:t>
-            </a:r>
-            <a:r>
-              <a:rPr lang="en-US" sz="2000" dirty="0">
-                <a:solidFill>
-                  <a:srgbClr val="000000"/>
-                </a:solidFill>
-                <a:highlight>
-                  <a:srgbClr val="FFFFFF"/>
-                </a:highlight>
-                <a:latin typeface="Consolas" panose="020B0609020204030204" pitchFamily="49" charset="0"/>
-              </a:rPr>
-              <a:t> a2)</a:t>
-            </a:r>
-          </a:p>
-          <a:p>
-            <a:pPr marL="76200" indent="0">
-              <a:spcBef>
-                <a:spcPts val="0"/>
-              </a:spcBef>
-              <a:buNone/>
-            </a:pPr>
-            <a:r>
-              <a:rPr lang="es-AR" sz="2000" dirty="0">
-                <a:solidFill>
-                  <a:srgbClr val="000000"/>
-                </a:solidFill>
-                <a:highlight>
-                  <a:srgbClr val="FFFFFF"/>
-                </a:highlight>
-                <a:latin typeface="Consolas" panose="020B0609020204030204" pitchFamily="49" charset="0"/>
-              </a:rPr>
-              <a:t>    </a:t>
-            </a:r>
-            <a:r>
-              <a:rPr lang="es-AR" sz="2000" dirty="0" smtClean="0">
-                <a:solidFill>
-                  <a:srgbClr val="000000"/>
-                </a:solidFill>
-                <a:highlight>
-                  <a:srgbClr val="FFFFFF"/>
-                </a:highlight>
-                <a:latin typeface="Consolas" panose="020B0609020204030204" pitchFamily="49" charset="0"/>
-              </a:rPr>
-              <a:t>{ </a:t>
-            </a:r>
-            <a:r>
-              <a:rPr lang="es-AR" sz="2000" dirty="0">
-                <a:solidFill>
-                  <a:srgbClr val="000000"/>
-                </a:solidFill>
-                <a:highlight>
-                  <a:srgbClr val="FFFFFF"/>
-                </a:highlight>
-                <a:latin typeface="Consolas" panose="020B0609020204030204" pitchFamily="49" charset="0"/>
-              </a:rPr>
-              <a:t>}</a:t>
-            </a:r>
-          </a:p>
-          <a:p>
-            <a:pPr marL="76200" indent="0">
-              <a:spcBef>
-                <a:spcPts val="0"/>
-              </a:spcBef>
-              <a:buNone/>
-            </a:pPr>
-            <a:r>
-              <a:rPr lang="es-AR" sz="2000" dirty="0" smtClean="0">
-                <a:solidFill>
-                  <a:srgbClr val="000000"/>
-                </a:solidFill>
-                <a:highlight>
-                  <a:srgbClr val="FFFFFF"/>
-                </a:highlight>
-                <a:latin typeface="Consolas" panose="020B0609020204030204" pitchFamily="49" charset="0"/>
-              </a:rPr>
-              <a:t>}</a:t>
-            </a:r>
-          </a:p>
-          <a:p>
-            <a:pPr marL="76200" indent="0">
-              <a:spcBef>
-                <a:spcPts val="0"/>
-              </a:spcBef>
-              <a:buNone/>
-            </a:pPr>
-            <a:endParaRPr lang="es-AR" sz="2000" dirty="0" smtClean="0">
-              <a:solidFill>
-                <a:srgbClr val="0000FF"/>
-              </a:solidFill>
-              <a:highlight>
-                <a:srgbClr val="FFFFFF"/>
-              </a:highlight>
-              <a:latin typeface="Consolas" panose="020B0609020204030204" pitchFamily="49" charset="0"/>
-            </a:endParaRPr>
-          </a:p>
-          <a:p>
-            <a:pPr marL="76200" indent="0">
-              <a:spcBef>
-                <a:spcPts val="0"/>
-              </a:spcBef>
-              <a:buNone/>
-            </a:pPr>
-            <a:r>
-              <a:rPr lang="es-AR" sz="2000" dirty="0" err="1" smtClean="0">
-                <a:solidFill>
-                  <a:srgbClr val="0000FF"/>
-                </a:solidFill>
-                <a:highlight>
-                  <a:srgbClr val="FFFFFF"/>
-                </a:highlight>
-                <a:latin typeface="Consolas" panose="020B0609020204030204" pitchFamily="49" charset="0"/>
-              </a:rPr>
-              <a:t>public</a:t>
-            </a:r>
-            <a:r>
-              <a:rPr lang="es-AR" sz="2000" dirty="0" smtClean="0">
-                <a:solidFill>
-                  <a:srgbClr val="000000"/>
-                </a:solidFill>
-                <a:highlight>
-                  <a:srgbClr val="FFFFFF"/>
-                </a:highlight>
-                <a:latin typeface="Consolas" panose="020B0609020204030204" pitchFamily="49" charset="0"/>
-              </a:rPr>
-              <a:t> </a:t>
-            </a:r>
-            <a:r>
-              <a:rPr lang="es-AR" sz="2000" dirty="0" err="1">
-                <a:solidFill>
-                  <a:srgbClr val="0000FF"/>
-                </a:solidFill>
-                <a:highlight>
-                  <a:srgbClr val="FFFFFF"/>
-                </a:highlight>
-                <a:latin typeface="Consolas" panose="020B0609020204030204" pitchFamily="49" charset="0"/>
-              </a:rPr>
-              <a:t>class</a:t>
-            </a:r>
-            <a:r>
-              <a:rPr lang="es-AR" sz="2000" dirty="0">
-                <a:solidFill>
-                  <a:srgbClr val="000000"/>
-                </a:solidFill>
-                <a:highlight>
-                  <a:srgbClr val="FFFFFF"/>
-                </a:highlight>
-                <a:latin typeface="Consolas" panose="020B0609020204030204" pitchFamily="49" charset="0"/>
-              </a:rPr>
-              <a:t> </a:t>
-            </a:r>
-            <a:r>
-              <a:rPr lang="es-AR" sz="2000" dirty="0" err="1">
-                <a:solidFill>
-                  <a:srgbClr val="2B91AF"/>
-                </a:solidFill>
-                <a:highlight>
-                  <a:srgbClr val="FFFFFF"/>
-                </a:highlight>
-                <a:latin typeface="Consolas" panose="020B0609020204030204" pitchFamily="49" charset="0"/>
-              </a:rPr>
-              <a:t>C_Derivada</a:t>
-            </a:r>
-            <a:r>
-              <a:rPr lang="es-AR" sz="2000" dirty="0">
-                <a:solidFill>
-                  <a:srgbClr val="000000"/>
-                </a:solidFill>
-                <a:highlight>
-                  <a:srgbClr val="FFFFFF"/>
-                </a:highlight>
-                <a:latin typeface="Consolas" panose="020B0609020204030204" pitchFamily="49" charset="0"/>
-              </a:rPr>
-              <a:t> : </a:t>
-            </a:r>
-            <a:r>
-              <a:rPr lang="es-AR" sz="2000" dirty="0">
-                <a:solidFill>
-                  <a:srgbClr val="2B91AF"/>
-                </a:solidFill>
-                <a:highlight>
-                  <a:srgbClr val="FFFFFF"/>
-                </a:highlight>
-                <a:latin typeface="Consolas" panose="020B0609020204030204" pitchFamily="49" charset="0"/>
-              </a:rPr>
-              <a:t>C</a:t>
-            </a:r>
-            <a:endParaRPr lang="es-AR" sz="2000" dirty="0">
-              <a:solidFill>
-                <a:srgbClr val="000000"/>
-              </a:solidFill>
-              <a:highlight>
-                <a:srgbClr val="FFFFFF"/>
-              </a:highlight>
-              <a:latin typeface="Consolas" panose="020B0609020204030204" pitchFamily="49" charset="0"/>
-            </a:endParaRPr>
-          </a:p>
-          <a:p>
-            <a:pPr marL="76200" indent="0">
-              <a:spcBef>
-                <a:spcPts val="0"/>
-              </a:spcBef>
-              <a:buNone/>
-            </a:pPr>
-            <a:r>
-              <a:rPr lang="es-AR" sz="2000" dirty="0" smtClean="0">
-                <a:solidFill>
-                  <a:srgbClr val="000000"/>
-                </a:solidFill>
-                <a:highlight>
-                  <a:srgbClr val="FFFFFF"/>
-                </a:highlight>
-                <a:latin typeface="Consolas" panose="020B0609020204030204" pitchFamily="49" charset="0"/>
-              </a:rPr>
-              <a:t>{</a:t>
-            </a:r>
-            <a:endParaRPr lang="es-AR" sz="2000" dirty="0">
-              <a:solidFill>
-                <a:srgbClr val="000000"/>
-              </a:solidFill>
-              <a:highlight>
-                <a:srgbClr val="FFFFFF"/>
-              </a:highlight>
-              <a:latin typeface="Consolas" panose="020B0609020204030204" pitchFamily="49" charset="0"/>
-            </a:endParaRPr>
-          </a:p>
-          <a:p>
-            <a:pPr marL="76200" indent="0">
-              <a:spcBef>
-                <a:spcPts val="0"/>
-              </a:spcBef>
-              <a:buNone/>
-            </a:pPr>
-            <a:r>
-              <a:rPr lang="es-AR" sz="2000" dirty="0" smtClean="0">
-                <a:solidFill>
-                  <a:srgbClr val="000000"/>
-                </a:solidFill>
-                <a:highlight>
-                  <a:srgbClr val="FFFFFF"/>
-                </a:highlight>
-                <a:latin typeface="Consolas" panose="020B0609020204030204" pitchFamily="49" charset="0"/>
-              </a:rPr>
-              <a:t>    </a:t>
-            </a:r>
-            <a:r>
-              <a:rPr lang="es-AR" sz="2000" dirty="0" err="1">
-                <a:solidFill>
-                  <a:srgbClr val="0000FF"/>
-                </a:solidFill>
-                <a:highlight>
-                  <a:srgbClr val="FFFFFF"/>
-                </a:highlight>
-                <a:latin typeface="Consolas" panose="020B0609020204030204" pitchFamily="49" charset="0"/>
-              </a:rPr>
-              <a:t>public</a:t>
-            </a:r>
-            <a:r>
-              <a:rPr lang="es-AR" sz="2000" dirty="0">
-                <a:solidFill>
-                  <a:srgbClr val="000000"/>
-                </a:solidFill>
-                <a:highlight>
-                  <a:srgbClr val="FFFFFF"/>
-                </a:highlight>
-                <a:latin typeface="Consolas" panose="020B0609020204030204" pitchFamily="49" charset="0"/>
-              </a:rPr>
-              <a:t> </a:t>
-            </a:r>
-            <a:r>
-              <a:rPr lang="es-AR" sz="2000" dirty="0" err="1">
-                <a:solidFill>
-                  <a:srgbClr val="0000FF"/>
-                </a:solidFill>
-                <a:highlight>
-                  <a:srgbClr val="FFFFFF"/>
-                </a:highlight>
-                <a:latin typeface="Consolas" panose="020B0609020204030204" pitchFamily="49" charset="0"/>
-              </a:rPr>
-              <a:t>override</a:t>
-            </a:r>
-            <a:r>
-              <a:rPr lang="es-AR" sz="2000" dirty="0">
-                <a:solidFill>
-                  <a:srgbClr val="000000"/>
-                </a:solidFill>
-                <a:highlight>
-                  <a:srgbClr val="FFFFFF"/>
-                </a:highlight>
-                <a:latin typeface="Consolas" panose="020B0609020204030204" pitchFamily="49" charset="0"/>
-              </a:rPr>
-              <a:t> </a:t>
-            </a:r>
-            <a:r>
-              <a:rPr lang="es-AR" sz="2000" dirty="0" err="1">
-                <a:solidFill>
-                  <a:srgbClr val="0000FF"/>
-                </a:solidFill>
-                <a:highlight>
-                  <a:srgbClr val="FFFFFF"/>
-                </a:highlight>
-                <a:latin typeface="Consolas" panose="020B0609020204030204" pitchFamily="49" charset="0"/>
-              </a:rPr>
-              <a:t>void</a:t>
-            </a:r>
-            <a:r>
-              <a:rPr lang="es-AR" sz="2000" dirty="0">
-                <a:solidFill>
-                  <a:srgbClr val="000000"/>
-                </a:solidFill>
-                <a:highlight>
-                  <a:srgbClr val="FFFFFF"/>
-                </a:highlight>
-                <a:latin typeface="Consolas" panose="020B0609020204030204" pitchFamily="49" charset="0"/>
-              </a:rPr>
-              <a:t> N(</a:t>
-            </a:r>
-            <a:r>
-              <a:rPr lang="es-AR" sz="2000" dirty="0" err="1">
-                <a:solidFill>
-                  <a:srgbClr val="0000FF"/>
-                </a:solidFill>
-                <a:highlight>
-                  <a:srgbClr val="FFFFFF"/>
-                </a:highlight>
-                <a:latin typeface="Consolas" panose="020B0609020204030204" pitchFamily="49" charset="0"/>
-              </a:rPr>
-              <a:t>int</a:t>
-            </a:r>
-            <a:r>
-              <a:rPr lang="es-AR" sz="2000" dirty="0">
-                <a:solidFill>
-                  <a:srgbClr val="000000"/>
-                </a:solidFill>
-                <a:highlight>
-                  <a:srgbClr val="FFFFFF"/>
-                </a:highlight>
-                <a:latin typeface="Consolas" panose="020B0609020204030204" pitchFamily="49" charset="0"/>
-              </a:rPr>
-              <a:t> a1, </a:t>
-            </a:r>
-            <a:r>
-              <a:rPr lang="es-AR" sz="2000" dirty="0" err="1">
-                <a:solidFill>
-                  <a:srgbClr val="0000FF"/>
-                </a:solidFill>
-                <a:highlight>
-                  <a:srgbClr val="FFFFFF"/>
-                </a:highlight>
-                <a:latin typeface="Consolas" panose="020B0609020204030204" pitchFamily="49" charset="0"/>
-              </a:rPr>
-              <a:t>int</a:t>
-            </a:r>
-            <a:r>
-              <a:rPr lang="es-AR" sz="2000" dirty="0">
-                <a:solidFill>
-                  <a:srgbClr val="000000"/>
-                </a:solidFill>
-                <a:highlight>
-                  <a:srgbClr val="FFFFFF"/>
-                </a:highlight>
-                <a:latin typeface="Consolas" panose="020B0609020204030204" pitchFamily="49" charset="0"/>
-              </a:rPr>
-              <a:t> a2)</a:t>
-            </a:r>
-          </a:p>
-          <a:p>
-            <a:pPr marL="76200" indent="0">
-              <a:spcBef>
-                <a:spcPts val="0"/>
-              </a:spcBef>
-              <a:buNone/>
-            </a:pPr>
-            <a:r>
-              <a:rPr lang="es-AR" sz="2000" dirty="0" smtClean="0">
-                <a:solidFill>
-                  <a:srgbClr val="000000"/>
-                </a:solidFill>
-                <a:highlight>
-                  <a:srgbClr val="FFFFFF"/>
-                </a:highlight>
-                <a:latin typeface="Consolas" panose="020B0609020204030204" pitchFamily="49" charset="0"/>
-              </a:rPr>
-              <a:t>    { </a:t>
-            </a:r>
-            <a:r>
-              <a:rPr lang="es-AR" sz="2000" dirty="0">
-                <a:solidFill>
-                  <a:srgbClr val="000000"/>
-                </a:solidFill>
-                <a:highlight>
-                  <a:srgbClr val="FFFFFF"/>
-                </a:highlight>
-                <a:latin typeface="Consolas" panose="020B0609020204030204" pitchFamily="49" charset="0"/>
-              </a:rPr>
-              <a:t>}</a:t>
-            </a:r>
-          </a:p>
-          <a:p>
-            <a:pPr marL="76200" indent="0">
-              <a:spcBef>
-                <a:spcPts val="0"/>
-              </a:spcBef>
-              <a:buNone/>
-            </a:pPr>
-            <a:r>
-              <a:rPr lang="es-AR" sz="2000" dirty="0" smtClean="0">
-                <a:solidFill>
-                  <a:srgbClr val="000000"/>
-                </a:solidFill>
-                <a:highlight>
-                  <a:srgbClr val="FFFFFF"/>
-                </a:highlight>
-                <a:latin typeface="Consolas" panose="020B0609020204030204" pitchFamily="49" charset="0"/>
-              </a:rPr>
-              <a:t>}</a:t>
-            </a:r>
-            <a:endParaRPr kumimoji="0" lang="es-AR" sz="2000" b="0" i="0" u="none" strike="noStrike" kern="0" cap="none" spc="0" normalizeH="0" baseline="0" noProof="0" dirty="0" smtClean="0">
+            <a:endParaRPr kumimoji="0" lang="es-AR" sz="2000" b="0" i="0" u="none" strike="noStrike" kern="0" cap="none" spc="0" normalizeH="0" baseline="0" noProof="0" dirty="0">
               <a:ln>
                 <a:noFill/>
               </a:ln>
@@ -11605,18 +11371,13 @@
           <a:lstStyle/>
           <a:p>
             <a:r>
-              <a:rPr lang="es-AR" dirty="0" smtClean="0">
+              <a:rPr lang="es-AR" dirty="0">
                 <a:solidFill>
                   <a:schemeClr val="bg1"/>
                 </a:solidFill>
               </a:rPr>
               <a:t>Conjunto M</a:t>
             </a:r>
-            <a:endParaRPr lang="es-AR" dirty="0">
-              <a:solidFill>
-                <a:schemeClr val="bg1"/>
-              </a:solidFill>
-            </a:endParaRPr>
           </a:p>
         </p:txBody>
       </p:sp>
@@ -11666,10 +11427,9 @@
           <a:lstStyle/>
           <a:p>
             <a:r>
-              <a:rPr lang="es-AR" dirty="0" smtClean="0"/>
+              <a:rPr lang="es-AR" dirty="0"/>
               <a:t>Redefinición de Métodos</a:t>
             </a:r>
-            <a:endParaRPr lang="es-AR" dirty="0"/>
           </a:p>
         </p:txBody>
       </p:sp>
@@ -11863,7 +11623,7 @@
               <a:t>override</a:t>
             </a:r>
             <a:r>
-              <a:rPr lang="es-AR" dirty="0" smtClean="0">
+              <a:rPr lang="es-AR" dirty="0">
                 <a:effectLst>
                   <a:outerShdw blurRad="38100" dist="38100" dir="2700000" algn="tl">
                     <a:srgbClr val="000000">
@@ -11875,16 +11635,6 @@
               </a:rPr>
               <a:t>.</a:t>
             </a:r>
-            <a:endParaRPr lang="es-AR" dirty="0">
-              <a:effectLst>
-                <a:outerShdw blurRad="38100" dist="38100" dir="2700000" algn="tl">
-                  <a:srgbClr val="000000">
-                    <a:alpha val="43137"/>
-                  </a:srgbClr>
-                </a:outerShdw>
-              </a:effectLst>
-              <a:latin typeface="Franklin Gothic Medium" panose="020B0603020102020204" pitchFamily="34" charset="0"/>
-            </a:endParaRPr>
           </a:p>
         </p:txBody>
       </p:sp>
@@ -11934,10 +11684,9 @@
           <a:lstStyle/>
           <a:p>
             <a:r>
-              <a:rPr lang="es-AR" dirty="0" smtClean="0"/>
+              <a:rPr lang="es-AR" dirty="0"/>
               <a:t>Redefinición de Métodos</a:t>
             </a:r>
-            <a:endParaRPr lang="es-AR" dirty="0"/>
           </a:p>
         </p:txBody>
       </p:sp>
@@ -12157,7 +11906,7 @@
               <a:t>override</a:t>
             </a:r>
             <a:r>
-              <a:rPr lang="es-AR" dirty="0" smtClean="0">
+              <a:rPr lang="es-AR" dirty="0">
                 <a:effectLst>
                   <a:outerShdw blurRad="38100" dist="38100" dir="2700000" algn="tl">
                     <a:srgbClr val="000000">
@@ -12591,7 +12340,7 @@
               <a:buNone/>
             </a:pPr>
             <a:r>
-              <a:rPr lang="es-AR" sz="2000" dirty="0" err="1" smtClean="0">
+              <a:rPr lang="es-AR" sz="2000" dirty="0" err="1">
                 <a:solidFill>
                   <a:srgbClr val="0000FF"/>
                 </a:solidFill>
@@ -12603,7 +12352,7 @@
               <a:t>public</a:t>
             </a:r>
             <a:r>
-              <a:rPr lang="es-AR" sz="2000" dirty="0" smtClean="0">
+              <a:rPr lang="es-AR" sz="2000" dirty="0">
                 <a:solidFill>
                   <a:srgbClr val="000000"/>
                 </a:solidFill>
@@ -12668,7 +12417,7 @@
               <a:buNone/>
             </a:pPr>
             <a:r>
-              <a:rPr lang="es-AR" sz="2000" dirty="0" smtClean="0">
+              <a:rPr lang="es-AR" sz="2000" dirty="0">
                 <a:solidFill>
                   <a:srgbClr val="000000"/>
                 </a:solidFill>
@@ -12679,15 +12428,6 @@
               </a:rPr>
               <a:t>{</a:t>
             </a:r>
-            <a:endParaRPr lang="es-AR" sz="2000" dirty="0">
-              <a:solidFill>
-                <a:srgbClr val="000000"/>
-              </a:solidFill>
-              <a:highlight>
-                <a:srgbClr val="FFFFFF"/>
-              </a:highlight>
-              <a:latin typeface="Consolas" panose="020B0609020204030204" pitchFamily="49" charset="0"/>
-            </a:endParaRPr>
           </a:p>
           <a:p>
             <a:pPr>
@@ -12697,7 +12437,7 @@
               <a:defRPr/>
             </a:pPr>
             <a:r>
-              <a:rPr lang="es-AR" sz="2000" dirty="0" err="1" smtClean="0">
+              <a:rPr lang="es-AR" sz="2000" dirty="0" err="1">
                 <a:solidFill>
                   <a:srgbClr val="0000FF"/>
                 </a:solidFill>
@@ -12709,7 +12449,7 @@
               <a:t>public</a:t>
             </a:r>
             <a:r>
-              <a:rPr lang="es-AR" sz="2000" dirty="0" smtClean="0">
+              <a:rPr lang="es-AR" sz="2000" dirty="0">
                 <a:solidFill>
                   <a:srgbClr val="000000"/>
                 </a:solidFill>
@@ -12934,7 +12674,7 @@
               <a:buNone/>
             </a:pPr>
             <a:r>
-              <a:rPr lang="es-AR" sz="2000" dirty="0" smtClean="0">
+              <a:rPr lang="es-AR" sz="2000" dirty="0">
                 <a:solidFill>
                   <a:srgbClr val="000000"/>
                 </a:solidFill>
@@ -12945,7 +12685,7 @@
               </a:rPr>
               <a:t>}</a:t>
             </a:r>
-            <a:endParaRPr kumimoji="0" lang="es-AR" sz="2000" b="0" i="0" u="none" strike="noStrike" kern="0" cap="none" spc="0" normalizeH="0" baseline="0" noProof="0" dirty="0" smtClean="0">
+            <a:endParaRPr kumimoji="0" lang="es-AR" sz="2000" b="0" i="0" u="none" strike="noStrike" kern="0" cap="none" spc="0" normalizeH="0" baseline="0" noProof="0" dirty="0">
               <a:ln>
                 <a:noFill/>
               </a:ln>
@@ -13014,10 +12754,9 @@
           <a:lstStyle/>
           <a:p>
             <a:r>
-              <a:rPr lang="es-AR" dirty="0" smtClean="0"/>
+              <a:rPr lang="es-AR" dirty="0"/>
               <a:t>Virtuales vs No Virtuales</a:t>
             </a:r>
-            <a:endParaRPr lang="es-AR" dirty="0"/>
           </a:p>
         </p:txBody>
       </p:sp>
@@ -14400,10 +14139,9 @@
           <a:lstStyle/>
           <a:p>
             <a:r>
-              <a:rPr lang="es-AR" dirty="0" smtClean="0"/>
+              <a:rPr lang="es-AR" dirty="0"/>
               <a:t>Abstracción</a:t>
             </a:r>
-            <a:endParaRPr lang="es-AR" dirty="0"/>
           </a:p>
         </p:txBody>
       </p:sp>
@@ -14568,10 +14306,9 @@
           <a:lstStyle/>
           <a:p>
             <a:r>
-              <a:rPr lang="es-AR" dirty="0" smtClean="0"/>
+              <a:rPr lang="es-AR" dirty="0"/>
               <a:t>Clases abstractas</a:t>
             </a:r>
-            <a:endParaRPr lang="es-AR" dirty="0"/>
           </a:p>
         </p:txBody>
       </p:sp>
@@ -14601,7 +14338,7 @@
               <a:defRPr/>
             </a:pPr>
             <a:r>
-              <a:rPr lang="es-AR" dirty="0" smtClean="0">
+              <a:rPr lang="es-AR" dirty="0">
                 <a:effectLst>
                   <a:outerShdw blurRad="38100" dist="38100" dir="2700000" algn="tl">
                     <a:srgbClr val="000000">
@@ -14611,20 +14348,7 @@
                 </a:effectLst>
                 <a:latin typeface="Franklin Gothic Medium" panose="020B0603020102020204" pitchFamily="34" charset="0"/>
               </a:rPr>
-              <a:t>No </a:t>
-            </a:r>
-            <a:r>
-              <a:rPr lang="es-AR" dirty="0">
-                <a:effectLst>
-                  <a:outerShdw blurRad="38100" dist="38100" dir="2700000" algn="tl">
-                    <a:srgbClr val="000000">
-                      <a:alpha val="43137"/>
-                    </a:srgbClr>
-                  </a:outerShdw>
-                </a:effectLst>
-                <a:latin typeface="Franklin Gothic Medium" panose="020B0603020102020204" pitchFamily="34" charset="0"/>
-              </a:rPr>
-              <a:t>se puede crear una instancia de una clase abstracta directamente, y es un error en tiempo de compilación utilizar el operador new en una clase abstracta.</a:t>
+              <a:t>No se puede crear una instancia de una clase abstracta directamente, y es un error en tiempo de compilación utilizar el operador new en una clase abstracta.</a:t>
             </a:r>
           </a:p>
           <a:p>
@@ -14918,10 +14642,9 @@
           <a:lstStyle/>
           <a:p>
             <a:r>
-              <a:rPr lang="es-AR" dirty="0" smtClean="0"/>
+              <a:rPr lang="es-AR" dirty="0"/>
               <a:t>Abstracción</a:t>
             </a:r>
-            <a:endParaRPr lang="es-AR" dirty="0"/>
           </a:p>
         </p:txBody>
       </p:sp>
@@ -15208,7 +14931,7 @@
               <a:defRPr/>
             </a:pPr>
             <a:r>
-              <a:rPr lang="es-AR" sz="2000" dirty="0" err="1" smtClean="0">
+              <a:rPr lang="es-AR" sz="2000" dirty="0" err="1">
                 <a:solidFill>
                   <a:srgbClr val="0000FF"/>
                 </a:solidFill>
@@ -15220,7 +14943,7 @@
               <a:t>abstract</a:t>
             </a:r>
             <a:r>
-              <a:rPr lang="es-AR" sz="2000" dirty="0" smtClean="0">
+              <a:rPr lang="es-AR" sz="2000" dirty="0">
                 <a:solidFill>
                   <a:srgbClr val="000000"/>
                 </a:solidFill>
@@ -15286,7 +15009,7 @@
               <a:defRPr/>
             </a:pPr>
             <a:r>
-              <a:rPr lang="es-AR" sz="2000" dirty="0" smtClean="0">
+              <a:rPr lang="es-AR" sz="2000" dirty="0">
                 <a:solidFill>
                   <a:srgbClr val="000000"/>
                 </a:solidFill>
@@ -15296,6 +15019,96 @@
                 <a:latin typeface="Consolas" panose="020B0609020204030204" pitchFamily="49" charset="0"/>
               </a:rPr>
               <a:t>{</a:t>
+            </a:r>
+          </a:p>
+          <a:p>
+            <a:pPr marL="76200" indent="0">
+              <a:spcBef>
+                <a:spcPts val="0"/>
+              </a:spcBef>
+              <a:buNone/>
+              <a:defRPr/>
+            </a:pPr>
+            <a:r>
+              <a:rPr lang="es-AR" sz="2000" dirty="0">
+                <a:solidFill>
+                  <a:srgbClr val="000000"/>
+                </a:solidFill>
+                <a:highlight>
+                  <a:srgbClr val="FFFFFF"/>
+                </a:highlight>
+                <a:latin typeface="Consolas" panose="020B0609020204030204" pitchFamily="49" charset="0"/>
+              </a:rPr>
+              <a:t>}</a:t>
+            </a:r>
+          </a:p>
+          <a:p>
+            <a:pPr marL="76200" indent="0">
+              <a:spcBef>
+                <a:spcPts val="0"/>
+              </a:spcBef>
+              <a:buNone/>
+              <a:defRPr/>
+            </a:pPr>
+            <a:r>
+              <a:rPr lang="es-AR" sz="2000" dirty="0" err="1">
+                <a:solidFill>
+                  <a:srgbClr val="0000FF"/>
+                </a:solidFill>
+                <a:highlight>
+                  <a:srgbClr val="FFFFFF"/>
+                </a:highlight>
+                <a:latin typeface="Consolas" panose="020B0609020204030204" pitchFamily="49" charset="0"/>
+              </a:rPr>
+              <a:t>class</a:t>
+            </a:r>
+            <a:r>
+              <a:rPr lang="es-AR" sz="2000" dirty="0">
+                <a:solidFill>
+                  <a:srgbClr val="000000"/>
+                </a:solidFill>
+                <a:highlight>
+                  <a:srgbClr val="FFFFFF"/>
+                </a:highlight>
+                <a:latin typeface="Consolas" panose="020B0609020204030204" pitchFamily="49" charset="0"/>
+              </a:rPr>
+              <a:t> </a:t>
+            </a:r>
+            <a:r>
+              <a:rPr lang="es-AR" sz="2000" dirty="0">
+                <a:solidFill>
+                  <a:srgbClr val="2B91AF"/>
+                </a:solidFill>
+                <a:highlight>
+                  <a:srgbClr val="FFFFFF"/>
+                </a:highlight>
+                <a:latin typeface="Consolas" panose="020B0609020204030204" pitchFamily="49" charset="0"/>
+              </a:rPr>
+              <a:t>B</a:t>
+            </a:r>
+            <a:r>
+              <a:rPr lang="es-AR" sz="2000" dirty="0">
+                <a:solidFill>
+                  <a:srgbClr val="000000"/>
+                </a:solidFill>
+                <a:highlight>
+                  <a:srgbClr val="FFFFFF"/>
+                </a:highlight>
+                <a:latin typeface="Consolas" panose="020B0609020204030204" pitchFamily="49" charset="0"/>
+              </a:rPr>
+              <a:t> : </a:t>
+            </a:r>
+            <a:r>
+              <a:rPr lang="es-AR" sz="2000" dirty="0">
+                <a:solidFill>
+                  <a:srgbClr val="2B91AF"/>
+                </a:solidFill>
+                <a:highlight>
+                  <a:srgbClr val="FFFFFF"/>
+                </a:highlight>
+                <a:latin typeface="Consolas" panose="020B0609020204030204" pitchFamily="49" charset="0"/>
+              </a:rPr>
+              <a:t>A</a:t>
             </a:r>
             <a:endParaRPr lang="es-AR" sz="2000" dirty="0">
               <a:solidFill>
@@ -15316,26 +15129,17 @@
               <a:defRPr/>
             </a:pPr>
             <a:r>
-              <a:rPr lang="es-AR" sz="2000" dirty="0" smtClean="0">
-                <a:solidFill>
-                  <a:srgbClr val="000000"/>
-                </a:solidFill>
-                <a:highlight>
-                  <a:srgbClr val="FFFFFF"/>
-                </a:highlight>
-                <a:latin typeface="Consolas" panose="020B0609020204030204" pitchFamily="49" charset="0"/>
-              </a:rPr>
-              <a:t>}</a:t>
-            </a:r>
-            <a:endParaRPr lang="es-AR" sz="2000" dirty="0">
-              <a:solidFill>
-                <a:srgbClr val="000000"/>
-              </a:solidFill>
-              <a:highlight>
-                <a:srgbClr val="FFFFFF"/>
-              </a:highlight>
-              <a:latin typeface="Consolas" panose="020B0609020204030204" pitchFamily="49" charset="0"/>
-            </a:endParaRPr>
+              <a:rPr lang="es-AR" sz="2000" dirty="0">
+                <a:solidFill>
+                  <a:srgbClr val="000000"/>
+                </a:solidFill>
+                <a:highlight>
+                  <a:srgbClr val="FFFFFF"/>
+                </a:highlight>
+                <a:latin typeface="Consolas" panose="020B0609020204030204" pitchFamily="49" charset="0"/>
+              </a:rPr>
+              <a:t>{</a:t>
+            </a:r>
           </a:p>
           <a:p>
             <a:pPr marL="76200" indent="0">
@@ -15346,7 +15150,19 @@
               <a:defRPr/>
             </a:pPr>
             <a:r>
-              <a:rPr lang="es-AR" sz="2000" dirty="0" err="1" smtClean="0">
+              <a:rPr lang="es-AR" sz="2000" dirty="0">
+                <a:solidFill>
+                  <a:srgbClr val="000000"/>
+                </a:solidFill>
+                <a:highlight>
+                  <a:srgbClr val="FFFFFF"/>
+                </a:highlight>
+                <a:latin typeface="Consolas" panose="020B0609020204030204" pitchFamily="49" charset="0"/>
+              </a:rPr>
+              <a:t>    </a:t>
+            </a:r>
+            <a:r>
+              <a:rPr lang="es-AR" sz="2000" dirty="0" err="1">
                 <a:solidFill>
                   <a:srgbClr val="0000FF"/>
                 </a:solidFill>
@@ -15355,10 +15171,10 @@
                 </a:highlight>
                 <a:latin typeface="Consolas" panose="020B0609020204030204" pitchFamily="49" charset="0"/>
               </a:rPr>
-              <a:t>class</a:t>
-            </a:r>
-            <a:r>
-              <a:rPr lang="es-AR" sz="2000" dirty="0" smtClean="0">
+              <a:t>public</a:t>
+            </a:r>
+            <a:r>
+              <a:rPr lang="es-AR" sz="2000" dirty="0">
                 <a:solidFill>
                   <a:srgbClr val="000000"/>
                 </a:solidFill>
@@ -15370,50 +15186,29 @@
               <a:t> </a:t>
             </a:r>
             <a:r>
+              <a:rPr lang="es-AR" sz="2000" dirty="0" err="1">
+                <a:solidFill>
+                  <a:srgbClr val="0000FF"/>
+                </a:solidFill>
+                <a:highlight>
+                  <a:srgbClr val="FFFFFF"/>
+                </a:highlight>
+                <a:latin typeface="Consolas" panose="020B0609020204030204" pitchFamily="49" charset="0"/>
+              </a:rPr>
+              <a:t>void</a:t>
+            </a:r>
+            <a:r>
               <a:rPr lang="es-AR" sz="2000" dirty="0">
                 <a:solidFill>
-                  <a:srgbClr val="2B91AF"/>
-                </a:solidFill>
-                <a:highlight>
-                  <a:srgbClr val="FFFFFF"/>
-                </a:highlight>
-                <a:latin typeface="Consolas" panose="020B0609020204030204" pitchFamily="49" charset="0"/>
-              </a:rPr>
-              <a:t>B</a:t>
-            </a:r>
-            <a:r>
-              <a:rPr lang="es-AR" sz="2000" dirty="0">
-                <a:solidFill>
-                  <a:srgbClr val="000000"/>
-                </a:solidFill>
-                <a:highlight>
-                  <a:srgbClr val="FFFFFF"/>
-                </a:highlight>
-                <a:latin typeface="Consolas" panose="020B0609020204030204" pitchFamily="49" charset="0"/>
-              </a:rPr>
-              <a:t> : </a:t>
-            </a:r>
-            <a:r>
-              <a:rPr lang="es-AR" sz="2000" dirty="0">
-                <a:solidFill>
-                  <a:srgbClr val="2B91AF"/>
-                </a:solidFill>
-                <a:highlight>
-                  <a:srgbClr val="FFFFFF"/>
-                </a:highlight>
-                <a:latin typeface="Consolas" panose="020B0609020204030204" pitchFamily="49" charset="0"/>
-              </a:rPr>
-              <a:t>A</a:t>
-            </a:r>
-            <a:endParaRPr lang="es-AR" sz="2000" dirty="0">
-              <a:solidFill>
-                <a:srgbClr val="000000"/>
-              </a:solidFill>
-              <a:highlight>
-                <a:srgbClr val="FFFFFF"/>
-              </a:highlight>
-              <a:latin typeface="Consolas" panose="020B0609020204030204" pitchFamily="49" charset="0"/>
-            </a:endParaRPr>
+                  <a:srgbClr val="000000"/>
+                </a:solidFill>
+                <a:highlight>
+                  <a:srgbClr val="FFFFFF"/>
+                </a:highlight>
+                <a:latin typeface="Consolas" panose="020B0609020204030204" pitchFamily="49" charset="0"/>
+              </a:rPr>
+              <a:t> G() { }</a:t>
+            </a:r>
           </a:p>
           <a:p>
             <a:pPr marL="76200" indent="0">
@@ -15424,106 +15219,7 @@
               <a:defRPr/>
             </a:pPr>
             <a:r>
-              <a:rPr lang="es-AR" sz="2000" dirty="0" smtClean="0">
-                <a:solidFill>
-                  <a:srgbClr val="000000"/>
-                </a:solidFill>
-                <a:highlight>
-                  <a:srgbClr val="FFFFFF"/>
-                </a:highlight>
-                <a:latin typeface="Consolas" panose="020B0609020204030204" pitchFamily="49" charset="0"/>
-              </a:rPr>
-              <a:t>{</a:t>
-            </a:r>
-            <a:endParaRPr lang="es-AR" sz="2000" dirty="0">
-              <a:solidFill>
-                <a:srgbClr val="000000"/>
-              </a:solidFill>
-              <a:highlight>
-                <a:srgbClr val="FFFFFF"/>
-              </a:highlight>
-              <a:latin typeface="Consolas" panose="020B0609020204030204" pitchFamily="49" charset="0"/>
-            </a:endParaRPr>
-          </a:p>
-          <a:p>
-            <a:pPr marL="76200" indent="0">
-              <a:spcBef>
-                <a:spcPts val="0"/>
-              </a:spcBef>
-              <a:buNone/>
-              <a:defRPr/>
-            </a:pPr>
-            <a:r>
               <a:rPr lang="es-AR" sz="2000" dirty="0">
-                <a:solidFill>
-                  <a:srgbClr val="000000"/>
-                </a:solidFill>
-                <a:highlight>
-                  <a:srgbClr val="FFFFFF"/>
-                </a:highlight>
-                <a:latin typeface="Consolas" panose="020B0609020204030204" pitchFamily="49" charset="0"/>
-              </a:rPr>
-              <a:t>    </a:t>
-            </a:r>
-            <a:r>
-              <a:rPr lang="es-AR" sz="2000" dirty="0" err="1" smtClean="0">
-                <a:solidFill>
-                  <a:srgbClr val="0000FF"/>
-                </a:solidFill>
-                <a:highlight>
-                  <a:srgbClr val="FFFFFF"/>
-                </a:highlight>
-                <a:latin typeface="Consolas" panose="020B0609020204030204" pitchFamily="49" charset="0"/>
-              </a:rPr>
-              <a:t>public</a:t>
-            </a:r>
-            <a:r>
-              <a:rPr lang="es-AR" sz="2000" dirty="0" smtClean="0">
-                <a:solidFill>
-                  <a:srgbClr val="000000"/>
-                </a:solidFill>
-                <a:highlight>
-                  <a:srgbClr val="FFFFFF"/>
-                </a:highlight>
-                <a:latin typeface="Consolas" panose="020B0609020204030204" pitchFamily="49" charset="0"/>
-              </a:rPr>
-              <a:t> </a:t>
-            </a:r>
-            <a:r>
-              <a:rPr lang="es-AR" sz="2000" dirty="0" err="1">
-                <a:solidFill>
-                  <a:srgbClr val="0000FF"/>
-                </a:solidFill>
-                <a:highlight>
-                  <a:srgbClr val="FFFFFF"/>
-                </a:highlight>
-                <a:latin typeface="Consolas" panose="020B0609020204030204" pitchFamily="49" charset="0"/>
-              </a:rPr>
-              <a:t>void</a:t>
-            </a:r>
-            <a:r>
-              <a:rPr lang="es-AR" sz="2000" dirty="0">
-                <a:solidFill>
-                  <a:srgbClr val="000000"/>
-                </a:solidFill>
-                <a:highlight>
-                  <a:srgbClr val="FFFFFF"/>
-                </a:highlight>
-                <a:latin typeface="Consolas" panose="020B0609020204030204" pitchFamily="49" charset="0"/>
-              </a:rPr>
-              <a:t> G() { }</a:t>
-            </a:r>
-          </a:p>
-          <a:p>
-            <a:pPr marL="76200" indent="0">
-              <a:spcBef>
-                <a:spcPts val="0"/>
-              </a:spcBef>
-              <a:buNone/>
-              <a:defRPr/>
-            </a:pPr>
-            <a:r>
-              <a:rPr lang="es-AR" sz="2000" dirty="0" smtClean="0">
                 <a:solidFill>
                   <a:srgbClr val="000000"/>
                 </a:solidFill>
@@ -15562,7 +15258,7 @@
               <a:defRPr/>
             </a:pPr>
             <a:r>
-              <a:rPr lang="es-AR" sz="2000" dirty="0" smtClean="0">
+              <a:rPr lang="es-AR" sz="2000" dirty="0">
                 <a:solidFill>
                   <a:srgbClr val="008000"/>
                 </a:solidFill>
@@ -15582,7 +15278,7 @@
               <a:buNone/>
               <a:defRPr/>
             </a:pPr>
-            <a:endParaRPr lang="es-AR" sz="2000" dirty="0" smtClean="0">
+            <a:endParaRPr lang="es-AR" sz="2000" dirty="0">
               <a:solidFill>
                 <a:srgbClr val="008000"/>
               </a:solidFill>
@@ -15601,7 +15297,7 @@
               <a:defRPr/>
             </a:pPr>
             <a:r>
-              <a:rPr lang="es-AR" sz="2000" dirty="0" smtClean="0">
+              <a:rPr lang="es-AR" sz="2000" dirty="0">
                 <a:solidFill>
                   <a:srgbClr val="0000FF"/>
                 </a:solidFill>
@@ -15613,19 +15309,19 @@
               <a:t>A</a:t>
             </a:r>
             <a:r>
-              <a:rPr lang="es-AR" sz="2000" dirty="0" smtClean="0">
-                <a:solidFill>
-                  <a:srgbClr val="000000"/>
-                </a:solidFill>
-                <a:highlight>
-                  <a:srgbClr val="FFFFFF"/>
-                </a:highlight>
-                <a:latin typeface="Consolas" panose="020B0609020204030204" pitchFamily="49" charset="0"/>
-              </a:rPr>
-              <a:t> a = </a:t>
-            </a:r>
-            <a:r>
-              <a:rPr lang="es-AR" sz="2000" dirty="0" smtClean="0">
+              <a:rPr lang="es-AR" sz="2000" dirty="0">
+                <a:solidFill>
+                  <a:srgbClr val="000000"/>
+                </a:solidFill>
+                <a:highlight>
+                  <a:srgbClr val="FFFFFF"/>
+                </a:highlight>
+                <a:latin typeface="Consolas" panose="020B0609020204030204" pitchFamily="49" charset="0"/>
+              </a:rPr>
+              <a:t> a0 = </a:t>
+            </a:r>
+            <a:r>
+              <a:rPr lang="es-AR" sz="2000" dirty="0">
                 <a:solidFill>
                   <a:srgbClr val="0000FF"/>
                 </a:solidFill>
@@ -15637,7 +15333,7 @@
               <a:t>new</a:t>
             </a:r>
             <a:r>
-              <a:rPr lang="es-AR" sz="2000" dirty="0" smtClean="0">
+              <a:rPr lang="es-AR" sz="2000" dirty="0">
                 <a:solidFill>
                   <a:srgbClr val="000000"/>
                 </a:solidFill>
@@ -15658,19 +15354,7 @@
                 </a:highlight>
                 <a:latin typeface="Consolas" panose="020B0609020204030204" pitchFamily="49" charset="0"/>
               </a:rPr>
-              <a:t>// </a:t>
-            </a:r>
-            <a:r>
-              <a:rPr lang="es-AR" sz="2000" dirty="0" smtClean="0">
-                <a:solidFill>
-                  <a:srgbClr val="008000"/>
-                </a:solidFill>
-                <a:highlight>
-                  <a:srgbClr val="FFFFFF"/>
-                </a:highlight>
-                <a:latin typeface="Consolas" panose="020B0609020204030204" pitchFamily="49" charset="0"/>
-              </a:rPr>
-              <a:t>ERROR!</a:t>
+              <a:t>// ERROR!</a:t>
             </a:r>
           </a:p>
           <a:p>
@@ -15682,7 +15366,7 @@
               <a:defRPr/>
             </a:pPr>
             <a:r>
-              <a:rPr lang="es-AR" sz="2000" dirty="0" smtClean="0">
+              <a:rPr lang="es-AR" sz="2000" dirty="0">
                 <a:solidFill>
                   <a:srgbClr val="0000FF"/>
                 </a:solidFill>
@@ -15694,42 +15378,6 @@
               <a:t>B</a:t>
             </a:r>
             <a:r>
-              <a:rPr lang="es-AR" sz="2000" dirty="0" smtClean="0">
-                <a:solidFill>
-                  <a:srgbClr val="000000"/>
-                </a:solidFill>
-                <a:highlight>
-                  <a:srgbClr val="FFFFFF"/>
-                </a:highlight>
-                <a:latin typeface="Consolas" panose="020B0609020204030204" pitchFamily="49" charset="0"/>
-              </a:rPr>
-              <a:t> </a:t>
-            </a:r>
-            <a:r>
-              <a:rPr lang="es-AR" sz="2000" dirty="0" err="1" smtClean="0">
-                <a:solidFill>
-                  <a:srgbClr val="000000"/>
-                </a:solidFill>
-                <a:highlight>
-                  <a:srgbClr val="FFFFFF"/>
-                </a:highlight>
-                <a:latin typeface="Consolas" panose="020B0609020204030204" pitchFamily="49" charset="0"/>
-              </a:rPr>
-              <a:t>b</a:t>
-            </a:r>
-            <a:r>
-              <a:rPr lang="es-AR" sz="2000" dirty="0" smtClean="0">
-                <a:solidFill>
-                  <a:srgbClr val="000000"/>
-                </a:solidFill>
-                <a:highlight>
-                  <a:srgbClr val="FFFFFF"/>
-                </a:highlight>
-                <a:latin typeface="Consolas" panose="020B0609020204030204" pitchFamily="49" charset="0"/>
-              </a:rPr>
-              <a:t> </a:t>
-            </a:r>
-            <a:r>
               <a:rPr lang="es-AR" sz="2000" dirty="0">
                 <a:solidFill>
                   <a:srgbClr val="000000"/>
@@ -15739,7 +15387,7 @@
                 </a:highlight>
                 <a:latin typeface="Consolas" panose="020B0609020204030204" pitchFamily="49" charset="0"/>
               </a:rPr>
-              <a:t>= </a:t>
+              <a:t> b0 = </a:t>
             </a:r>
             <a:r>
               <a:rPr lang="es-AR" sz="2000" dirty="0">
@@ -15763,19 +15411,7 @@
                 </a:highlight>
                 <a:latin typeface="Consolas" panose="020B0609020204030204" pitchFamily="49" charset="0"/>
               </a:rPr>
-              <a:t> </a:t>
-            </a:r>
-            <a:r>
-              <a:rPr lang="es-AR" sz="2000" dirty="0" smtClean="0">
-                <a:solidFill>
-                  <a:srgbClr val="000000"/>
-                </a:solidFill>
-                <a:highlight>
-                  <a:srgbClr val="FFFFFF"/>
-                </a:highlight>
-                <a:latin typeface="Consolas" panose="020B0609020204030204" pitchFamily="49" charset="0"/>
-              </a:rPr>
-              <a:t>B(); </a:t>
+              <a:t> B(); </a:t>
             </a:r>
             <a:r>
               <a:rPr lang="es-AR" sz="2000" dirty="0">
@@ -15787,19 +15423,7 @@
                 </a:highlight>
                 <a:latin typeface="Consolas" panose="020B0609020204030204" pitchFamily="49" charset="0"/>
               </a:rPr>
-              <a:t>// </a:t>
-            </a:r>
-            <a:r>
-              <a:rPr lang="es-AR" sz="2000" dirty="0" smtClean="0">
-                <a:solidFill>
-                  <a:srgbClr val="008000"/>
-                </a:solidFill>
-                <a:highlight>
-                  <a:srgbClr val="FFFFFF"/>
-                </a:highlight>
-                <a:latin typeface="Consolas" panose="020B0609020204030204" pitchFamily="49" charset="0"/>
-              </a:rPr>
-              <a:t>Correcta!</a:t>
+              <a:t>// Correcta!</a:t>
             </a:r>
           </a:p>
           <a:p>
@@ -15810,6 +15434,66 @@
               <a:buNone/>
               <a:defRPr/>
             </a:pPr>
+            <a:r>
+              <a:rPr lang="es-AR" sz="2000" dirty="0">
+                <a:solidFill>
+                  <a:srgbClr val="0000FF"/>
+                </a:solidFill>
+                <a:highlight>
+                  <a:srgbClr val="FFFFFF"/>
+                </a:highlight>
+                <a:latin typeface="Consolas" panose="020B0609020204030204" pitchFamily="49" charset="0"/>
+              </a:rPr>
+              <a:t>A</a:t>
+            </a:r>
+            <a:r>
+              <a:rPr lang="es-AR" sz="2000" dirty="0">
+                <a:solidFill>
+                  <a:srgbClr val="000000"/>
+                </a:solidFill>
+                <a:highlight>
+                  <a:srgbClr val="FFFFFF"/>
+                </a:highlight>
+                <a:latin typeface="Consolas" panose="020B0609020204030204" pitchFamily="49" charset="0"/>
+              </a:rPr>
+              <a:t> a1 = </a:t>
+            </a:r>
+            <a:r>
+              <a:rPr lang="es-AR" sz="2000" dirty="0">
+                <a:solidFill>
+                  <a:srgbClr val="0000FF"/>
+                </a:solidFill>
+                <a:highlight>
+                  <a:srgbClr val="FFFFFF"/>
+                </a:highlight>
+                <a:latin typeface="Consolas" panose="020B0609020204030204" pitchFamily="49" charset="0"/>
+              </a:rPr>
+              <a:t>new</a:t>
+            </a:r>
+            <a:r>
+              <a:rPr lang="es-AR" sz="2000" dirty="0">
+                <a:solidFill>
+                  <a:srgbClr val="000000"/>
+                </a:solidFill>
+                <a:highlight>
+                  <a:srgbClr val="FFFFFF"/>
+                </a:highlight>
+                <a:latin typeface="Consolas" panose="020B0609020204030204" pitchFamily="49" charset="0"/>
+              </a:rPr>
+              <a:t> B(); </a:t>
+            </a:r>
+            <a:r>
+              <a:rPr lang="es-AR" sz="2000" dirty="0">
+                <a:solidFill>
+                  <a:srgbClr val="008000"/>
+                </a:solidFill>
+                <a:highlight>
+                  <a:srgbClr val="FFFFFF"/>
+                </a:highlight>
+                <a:latin typeface="Consolas" panose="020B0609020204030204" pitchFamily="49" charset="0"/>
+              </a:rPr>
+              <a:t>// Qué opinan?</a:t>
+            </a:r>
             <a:endParaRPr lang="es-AR" sz="2000" dirty="0">
               <a:solidFill>
                 <a:srgbClr val="000000"/>
@@ -15868,10 +15552,9 @@
           <a:lstStyle/>
           <a:p>
             <a:r>
-              <a:rPr lang="es-AR" dirty="0" smtClean="0"/>
+              <a:rPr lang="es-AR" dirty="0"/>
               <a:t>Abstracción</a:t>
             </a:r>
-            <a:endParaRPr lang="es-AR" dirty="0"/>
           </a:p>
         </p:txBody>
       </p:sp>
@@ -16158,7 +15841,7 @@
               <a:defRPr/>
             </a:pPr>
             <a:r>
-              <a:rPr lang="es-AR" sz="2000" dirty="0" err="1" smtClean="0">
+              <a:rPr lang="es-AR" sz="2000" dirty="0" err="1">
                 <a:solidFill>
                   <a:srgbClr val="0000FF"/>
                 </a:solidFill>
@@ -16170,7 +15853,7 @@
               <a:t>abstract</a:t>
             </a:r>
             <a:r>
-              <a:rPr lang="es-AR" sz="2000" dirty="0" smtClean="0">
+              <a:rPr lang="es-AR" sz="2000" dirty="0">
                 <a:solidFill>
                   <a:srgbClr val="000000"/>
                 </a:solidFill>
@@ -16236,7 +15919,7 @@
               <a:defRPr/>
             </a:pPr>
             <a:r>
-              <a:rPr lang="es-AR" sz="2000" dirty="0" smtClean="0">
+              <a:rPr lang="es-AR" sz="2000" dirty="0">
                 <a:solidFill>
                   <a:srgbClr val="000000"/>
                 </a:solidFill>
@@ -16246,6 +15929,213 @@
                 <a:latin typeface="Consolas" panose="020B0609020204030204" pitchFamily="49" charset="0"/>
               </a:rPr>
               <a:t>{</a:t>
+            </a:r>
+          </a:p>
+          <a:p>
+            <a:pPr marL="76200" indent="0">
+              <a:spcBef>
+                <a:spcPts val="0"/>
+              </a:spcBef>
+              <a:buNone/>
+              <a:defRPr/>
+            </a:pPr>
+            <a:r>
+              <a:rPr lang="es-AR" sz="2000" dirty="0">
+                <a:solidFill>
+                  <a:srgbClr val="0000FF"/>
+                </a:solidFill>
+                <a:highlight>
+                  <a:srgbClr val="FFFFFF"/>
+                </a:highlight>
+                <a:latin typeface="Consolas" panose="020B0609020204030204" pitchFamily="49" charset="0"/>
+              </a:rPr>
+              <a:t>    </a:t>
+            </a:r>
+            <a:r>
+              <a:rPr lang="es-AR" sz="2000" dirty="0" err="1">
+                <a:solidFill>
+                  <a:srgbClr val="0000FF"/>
+                </a:solidFill>
+                <a:highlight>
+                  <a:srgbClr val="FFFFFF"/>
+                </a:highlight>
+                <a:latin typeface="Consolas" panose="020B0609020204030204" pitchFamily="49" charset="0"/>
+              </a:rPr>
+              <a:t>public</a:t>
+            </a:r>
+            <a:r>
+              <a:rPr lang="es-AR" sz="2000" dirty="0">
+                <a:solidFill>
+                  <a:srgbClr val="000000"/>
+                </a:solidFill>
+                <a:highlight>
+                  <a:srgbClr val="FFFFFF"/>
+                </a:highlight>
+                <a:latin typeface="Consolas" panose="020B0609020204030204" pitchFamily="49" charset="0"/>
+              </a:rPr>
+              <a:t> </a:t>
+            </a:r>
+            <a:r>
+              <a:rPr lang="es-AR" sz="2000" dirty="0" err="1">
+                <a:solidFill>
+                  <a:srgbClr val="0000FF"/>
+                </a:solidFill>
+                <a:highlight>
+                  <a:srgbClr val="FFFFFF"/>
+                </a:highlight>
+                <a:latin typeface="Consolas" panose="020B0609020204030204" pitchFamily="49" charset="0"/>
+              </a:rPr>
+              <a:t>abstract</a:t>
+            </a:r>
+            <a:r>
+              <a:rPr lang="es-AR" sz="2000" dirty="0">
+                <a:solidFill>
+                  <a:srgbClr val="000000"/>
+                </a:solidFill>
+                <a:highlight>
+                  <a:srgbClr val="FFFFFF"/>
+                </a:highlight>
+                <a:latin typeface="Consolas" panose="020B0609020204030204" pitchFamily="49" charset="0"/>
+              </a:rPr>
+              <a:t> </a:t>
+            </a:r>
+            <a:r>
+              <a:rPr lang="es-AR" sz="2000" dirty="0" err="1">
+                <a:solidFill>
+                  <a:srgbClr val="0000FF"/>
+                </a:solidFill>
+                <a:highlight>
+                  <a:srgbClr val="FFFFFF"/>
+                </a:highlight>
+                <a:latin typeface="Consolas" panose="020B0609020204030204" pitchFamily="49" charset="0"/>
+              </a:rPr>
+              <a:t>void</a:t>
+            </a:r>
+            <a:r>
+              <a:rPr lang="es-AR" sz="2000" dirty="0">
+                <a:solidFill>
+                  <a:srgbClr val="000000"/>
+                </a:solidFill>
+                <a:highlight>
+                  <a:srgbClr val="FFFFFF"/>
+                </a:highlight>
+                <a:latin typeface="Consolas" panose="020B0609020204030204" pitchFamily="49" charset="0"/>
+              </a:rPr>
+              <a:t> F();</a:t>
+            </a:r>
+          </a:p>
+          <a:p>
+            <a:pPr marL="76200" indent="0">
+              <a:spcBef>
+                <a:spcPts val="0"/>
+              </a:spcBef>
+              <a:buNone/>
+              <a:defRPr/>
+            </a:pPr>
+            <a:r>
+              <a:rPr lang="es-AR" sz="2000" dirty="0">
+                <a:solidFill>
+                  <a:srgbClr val="000000"/>
+                </a:solidFill>
+                <a:highlight>
+                  <a:srgbClr val="FFFFFF"/>
+                </a:highlight>
+                <a:latin typeface="Consolas" panose="020B0609020204030204" pitchFamily="49" charset="0"/>
+              </a:rPr>
+              <a:t>}</a:t>
+            </a:r>
+          </a:p>
+          <a:p>
+            <a:pPr marL="76200" indent="0">
+              <a:spcBef>
+                <a:spcPts val="0"/>
+              </a:spcBef>
+              <a:buNone/>
+              <a:defRPr/>
+            </a:pPr>
+            <a:r>
+              <a:rPr lang="es-AR" sz="2000" dirty="0" err="1">
+                <a:solidFill>
+                  <a:srgbClr val="0000FF"/>
+                </a:solidFill>
+                <a:highlight>
+                  <a:srgbClr val="FFFFFF"/>
+                </a:highlight>
+                <a:latin typeface="Consolas" panose="020B0609020204030204" pitchFamily="49" charset="0"/>
+              </a:rPr>
+              <a:t>abstract</a:t>
+            </a:r>
+            <a:r>
+              <a:rPr lang="es-AR" sz="2000" dirty="0">
+                <a:solidFill>
+                  <a:srgbClr val="000000"/>
+                </a:solidFill>
+                <a:highlight>
+                  <a:srgbClr val="FFFFFF"/>
+                </a:highlight>
+                <a:latin typeface="Consolas" panose="020B0609020204030204" pitchFamily="49" charset="0"/>
+              </a:rPr>
+              <a:t> </a:t>
+            </a:r>
+            <a:r>
+              <a:rPr lang="es-AR" sz="2000" dirty="0" err="1">
+                <a:solidFill>
+                  <a:srgbClr val="0000FF"/>
+                </a:solidFill>
+                <a:highlight>
+                  <a:srgbClr val="FFFFFF"/>
+                </a:highlight>
+                <a:latin typeface="Consolas" panose="020B0609020204030204" pitchFamily="49" charset="0"/>
+              </a:rPr>
+              <a:t>class</a:t>
+            </a:r>
+            <a:r>
+              <a:rPr lang="es-AR" sz="2000" dirty="0">
+                <a:solidFill>
+                  <a:srgbClr val="000000"/>
+                </a:solidFill>
+                <a:highlight>
+                  <a:srgbClr val="FFFFFF"/>
+                </a:highlight>
+                <a:latin typeface="Consolas" panose="020B0609020204030204" pitchFamily="49" charset="0"/>
+              </a:rPr>
+              <a:t> </a:t>
+            </a:r>
+            <a:r>
+              <a:rPr lang="es-AR" sz="2000" dirty="0">
+                <a:solidFill>
+                  <a:srgbClr val="2B91AF"/>
+                </a:solidFill>
+                <a:highlight>
+                  <a:srgbClr val="FFFFFF"/>
+                </a:highlight>
+                <a:latin typeface="Consolas" panose="020B0609020204030204" pitchFamily="49" charset="0"/>
+              </a:rPr>
+              <a:t>B</a:t>
+            </a:r>
+            <a:r>
+              <a:rPr lang="es-AR" sz="2000" dirty="0">
+                <a:solidFill>
+                  <a:srgbClr val="000000"/>
+                </a:solidFill>
+                <a:highlight>
+                  <a:srgbClr val="FFFFFF"/>
+                </a:highlight>
+                <a:latin typeface="Consolas" panose="020B0609020204030204" pitchFamily="49" charset="0"/>
+              </a:rPr>
+              <a:t> : </a:t>
+            </a:r>
+            <a:r>
+              <a:rPr lang="es-AR" sz="2000" dirty="0">
+                <a:solidFill>
+                  <a:srgbClr val="2B91AF"/>
+                </a:solidFill>
+                <a:highlight>
+                  <a:srgbClr val="FFFFFF"/>
+                </a:highlight>
+                <a:latin typeface="Consolas" panose="020B0609020204030204" pitchFamily="49" charset="0"/>
+              </a:rPr>
+              <a:t>A</a:t>
             </a:r>
             <a:endParaRPr lang="es-AR" sz="2000" dirty="0">
               <a:solidFill>
@@ -16266,54 +16156,6 @@
               <a:defRPr/>
             </a:pPr>
             <a:r>
-              <a:rPr lang="es-AR" sz="2000" dirty="0" smtClean="0">
-                <a:solidFill>
-                  <a:srgbClr val="0000FF"/>
-                </a:solidFill>
-                <a:highlight>
-                  <a:srgbClr val="FFFFFF"/>
-                </a:highlight>
-                <a:latin typeface="Consolas" panose="020B0609020204030204" pitchFamily="49" charset="0"/>
-              </a:rPr>
-              <a:t>    </a:t>
-            </a:r>
-            <a:r>
-              <a:rPr lang="es-AR" sz="2000" dirty="0" err="1" smtClean="0">
-                <a:solidFill>
-                  <a:srgbClr val="0000FF"/>
-                </a:solidFill>
-                <a:highlight>
-                  <a:srgbClr val="FFFFFF"/>
-                </a:highlight>
-                <a:latin typeface="Consolas" panose="020B0609020204030204" pitchFamily="49" charset="0"/>
-              </a:rPr>
-              <a:t>public</a:t>
-            </a:r>
-            <a:r>
-              <a:rPr lang="es-AR" sz="2000" dirty="0" smtClean="0">
-                <a:solidFill>
-                  <a:srgbClr val="000000"/>
-                </a:solidFill>
-                <a:highlight>
-                  <a:srgbClr val="FFFFFF"/>
-                </a:highlight>
-                <a:latin typeface="Consolas" panose="020B0609020204030204" pitchFamily="49" charset="0"/>
-              </a:rPr>
-              <a:t> </a:t>
-            </a:r>
-            <a:r>
-              <a:rPr lang="es-AR" sz="2000" dirty="0" err="1">
-                <a:solidFill>
-                  <a:srgbClr val="0000FF"/>
-                </a:solidFill>
-                <a:highlight>
-                  <a:srgbClr val="FFFFFF"/>
-                </a:highlight>
-                <a:latin typeface="Consolas" panose="020B0609020204030204" pitchFamily="49" charset="0"/>
-              </a:rPr>
-              <a:t>abstract</a:t>
-            </a:r>
-            <a:r>
               <a:rPr lang="es-AR" sz="2000" dirty="0">
                 <a:solidFill>
                   <a:srgbClr val="000000"/>
@@ -16323,31 +16165,7 @@
                 </a:highlight>
                 <a:latin typeface="Consolas" panose="020B0609020204030204" pitchFamily="49" charset="0"/>
               </a:rPr>
-              <a:t> </a:t>
-            </a:r>
-            <a:r>
-              <a:rPr lang="es-AR" sz="2000" dirty="0" err="1">
-                <a:solidFill>
-                  <a:srgbClr val="0000FF"/>
-                </a:solidFill>
-                <a:highlight>
-                  <a:srgbClr val="FFFFFF"/>
-                </a:highlight>
-                <a:latin typeface="Consolas" panose="020B0609020204030204" pitchFamily="49" charset="0"/>
-              </a:rPr>
-              <a:t>void</a:t>
-            </a:r>
-            <a:r>
-              <a:rPr lang="es-AR" sz="2000" dirty="0">
-                <a:solidFill>
-                  <a:srgbClr val="000000"/>
-                </a:solidFill>
-                <a:highlight>
-                  <a:srgbClr val="FFFFFF"/>
-                </a:highlight>
-                <a:latin typeface="Consolas" panose="020B0609020204030204" pitchFamily="49" charset="0"/>
-              </a:rPr>
-              <a:t> F();</a:t>
+              <a:t>{</a:t>
             </a:r>
           </a:p>
           <a:p>
@@ -16359,7 +16177,76 @@
               <a:defRPr/>
             </a:pPr>
             <a:r>
-              <a:rPr lang="es-AR" sz="2000" dirty="0" smtClean="0">
+              <a:rPr lang="es-AR" sz="2000" dirty="0">
+                <a:solidFill>
+                  <a:srgbClr val="000000"/>
+                </a:solidFill>
+                <a:highlight>
+                  <a:srgbClr val="FFFFFF"/>
+                </a:highlight>
+                <a:latin typeface="Consolas" panose="020B0609020204030204" pitchFamily="49" charset="0"/>
+              </a:rPr>
+              <a:t>    </a:t>
+            </a:r>
+            <a:r>
+              <a:rPr lang="es-AR" sz="2000" dirty="0" err="1">
+                <a:solidFill>
+                  <a:srgbClr val="0000FF"/>
+                </a:solidFill>
+                <a:highlight>
+                  <a:srgbClr val="FFFFFF"/>
+                </a:highlight>
+                <a:latin typeface="Consolas" panose="020B0609020204030204" pitchFamily="49" charset="0"/>
+              </a:rPr>
+              <a:t>public</a:t>
+            </a:r>
+            <a:r>
+              <a:rPr lang="es-AR" sz="2000" dirty="0">
+                <a:solidFill>
+                  <a:srgbClr val="000000"/>
+                </a:solidFill>
+                <a:highlight>
+                  <a:srgbClr val="FFFFFF"/>
+                </a:highlight>
+                <a:latin typeface="Consolas" panose="020B0609020204030204" pitchFamily="49" charset="0"/>
+              </a:rPr>
+              <a:t> </a:t>
+            </a:r>
+            <a:r>
+              <a:rPr lang="es-AR" sz="2000" dirty="0" err="1">
+                <a:solidFill>
+                  <a:srgbClr val="0000FF"/>
+                </a:solidFill>
+                <a:highlight>
+                  <a:srgbClr val="FFFFFF"/>
+                </a:highlight>
+                <a:latin typeface="Consolas" panose="020B0609020204030204" pitchFamily="49" charset="0"/>
+              </a:rPr>
+              <a:t>void</a:t>
+            </a:r>
+            <a:r>
+              <a:rPr lang="es-AR" sz="2000" dirty="0">
+                <a:solidFill>
+                  <a:srgbClr val="000000"/>
+                </a:solidFill>
+                <a:highlight>
+                  <a:srgbClr val="FFFFFF"/>
+                </a:highlight>
+                <a:latin typeface="Consolas" panose="020B0609020204030204" pitchFamily="49" charset="0"/>
+              </a:rPr>
+              <a:t> G() { }</a:t>
+            </a:r>
+          </a:p>
+          <a:p>
+            <a:pPr marL="76200" indent="0">
+              <a:spcBef>
+                <a:spcPts val="0"/>
+              </a:spcBef>
+              <a:buNone/>
+              <a:defRPr/>
+            </a:pPr>
+            <a:r>
+              <a:rPr lang="es-AR" sz="2000" dirty="0">
                 <a:solidFill>
                   <a:srgbClr val="000000"/>
                 </a:solidFill>
@@ -16369,6 +16256,75 @@
                 <a:latin typeface="Consolas" panose="020B0609020204030204" pitchFamily="49" charset="0"/>
               </a:rPr>
               <a:t>}</a:t>
+            </a:r>
+          </a:p>
+          <a:p>
+            <a:pPr marL="76200" indent="0">
+              <a:spcBef>
+                <a:spcPts val="0"/>
+              </a:spcBef>
+              <a:buNone/>
+              <a:defRPr/>
+            </a:pPr>
+            <a:r>
+              <a:rPr lang="es-AR" sz="2000" dirty="0" err="1">
+                <a:solidFill>
+                  <a:srgbClr val="0000FF"/>
+                </a:solidFill>
+                <a:highlight>
+                  <a:srgbClr val="FFFFFF"/>
+                </a:highlight>
+                <a:latin typeface="Consolas" panose="020B0609020204030204" pitchFamily="49" charset="0"/>
+              </a:rPr>
+              <a:t>class</a:t>
+            </a:r>
+            <a:r>
+              <a:rPr lang="es-AR" sz="2000" dirty="0">
+                <a:solidFill>
+                  <a:srgbClr val="000000"/>
+                </a:solidFill>
+                <a:highlight>
+                  <a:srgbClr val="FFFFFF"/>
+                </a:highlight>
+                <a:latin typeface="Consolas" panose="020B0609020204030204" pitchFamily="49" charset="0"/>
+              </a:rPr>
+              <a:t> </a:t>
+            </a:r>
+            <a:r>
+              <a:rPr lang="es-AR" sz="2000" dirty="0">
+                <a:solidFill>
+                  <a:srgbClr val="2B91AF"/>
+                </a:solidFill>
+                <a:highlight>
+                  <a:srgbClr val="FFFFFF"/>
+                </a:highlight>
+                <a:latin typeface="Consolas" panose="020B0609020204030204" pitchFamily="49" charset="0"/>
+              </a:rPr>
+              <a:t>C</a:t>
+            </a:r>
+            <a:r>
+              <a:rPr lang="es-AR" sz="2000" dirty="0">
+                <a:solidFill>
+                  <a:srgbClr val="000000"/>
+                </a:solidFill>
+                <a:highlight>
+                  <a:srgbClr val="FFFFFF"/>
+                </a:highlight>
+                <a:latin typeface="Consolas" panose="020B0609020204030204" pitchFamily="49" charset="0"/>
+              </a:rPr>
+              <a:t> : </a:t>
+            </a:r>
+            <a:r>
+              <a:rPr lang="es-AR" sz="2000" dirty="0">
+                <a:solidFill>
+                  <a:srgbClr val="2B91AF"/>
+                </a:solidFill>
+                <a:highlight>
+                  <a:srgbClr val="FFFFFF"/>
+                </a:highlight>
+                <a:latin typeface="Consolas" panose="020B0609020204030204" pitchFamily="49" charset="0"/>
+              </a:rPr>
+              <a:t>B</a:t>
             </a:r>
             <a:endParaRPr lang="es-AR" sz="2000" dirty="0">
               <a:solidFill>
@@ -16389,7 +16345,40 @@
               <a:defRPr/>
             </a:pPr>
             <a:r>
-              <a:rPr lang="es-AR" sz="2000" dirty="0" err="1" smtClean="0">
+              <a:rPr lang="es-AR" sz="2000" dirty="0">
+                <a:solidFill>
+                  <a:srgbClr val="000000"/>
+                </a:solidFill>
+                <a:highlight>
+                  <a:srgbClr val="FFFFFF"/>
+                </a:highlight>
+                <a:latin typeface="Consolas" panose="020B0609020204030204" pitchFamily="49" charset="0"/>
+              </a:rPr>
+              <a:t>{</a:t>
+            </a:r>
+          </a:p>
+          <a:p>
+            <a:pPr marL="76200" indent="0">
+              <a:spcBef>
+                <a:spcPts val="0"/>
+              </a:spcBef>
+              <a:buNone/>
+              <a:defRPr/>
+            </a:pPr>
+            <a:r>
+              <a:rPr lang="es-AR" sz="2000" dirty="0">
+                <a:solidFill>
+                  <a:srgbClr val="000000"/>
+                </a:solidFill>
+                <a:highlight>
+                  <a:srgbClr val="FFFFFF"/>
+                </a:highlight>
+                <a:latin typeface="Consolas" panose="020B0609020204030204" pitchFamily="49" charset="0"/>
+              </a:rPr>
+              <a:t>    </a:t>
+            </a:r>
+            <a:r>
+              <a:rPr lang="es-AR" sz="2000" dirty="0" err="1">
                 <a:solidFill>
                   <a:srgbClr val="0000FF"/>
                 </a:solidFill>
@@ -16398,10 +16387,10 @@
                 </a:highlight>
                 <a:latin typeface="Consolas" panose="020B0609020204030204" pitchFamily="49" charset="0"/>
               </a:rPr>
-              <a:t>abstract</a:t>
-            </a:r>
-            <a:r>
-              <a:rPr lang="es-AR" sz="2000" dirty="0" smtClean="0">
+              <a:t>public</a:t>
+            </a:r>
+            <a:r>
+              <a:rPr lang="es-AR" sz="2000" dirty="0">
                 <a:solidFill>
                   <a:srgbClr val="000000"/>
                 </a:solidFill>
@@ -16422,7 +16411,7 @@
                 </a:highlight>
                 <a:latin typeface="Consolas" panose="020B0609020204030204" pitchFamily="49" charset="0"/>
               </a:rPr>
-              <a:t>class</a:t>
+              <a:t>override</a:t>
             </a:r>
             <a:r>
               <a:rPr lang="es-AR" sz="2000" dirty="0">
@@ -16437,17 +16426,38 @@
               <a:t> </a:t>
             </a:r>
             <a:r>
+              <a:rPr lang="es-AR" sz="2000" dirty="0" err="1">
+                <a:solidFill>
+                  <a:srgbClr val="0000FF"/>
+                </a:solidFill>
+                <a:highlight>
+                  <a:srgbClr val="FFFFFF"/>
+                </a:highlight>
+                <a:latin typeface="Consolas" panose="020B0609020204030204" pitchFamily="49" charset="0"/>
+              </a:rPr>
+              <a:t>void</a:t>
+            </a:r>
+            <a:r>
               <a:rPr lang="es-AR" sz="2000" dirty="0">
                 <a:solidFill>
-                  <a:srgbClr val="2B91AF"/>
-                </a:solidFill>
-                <a:highlight>
-                  <a:srgbClr val="FFFFFF"/>
-                </a:highlight>
-                <a:latin typeface="Consolas" panose="020B0609020204030204" pitchFamily="49" charset="0"/>
-              </a:rPr>
-              <a:t>B</a:t>
-            </a:r>
+                  <a:srgbClr val="000000"/>
+                </a:solidFill>
+                <a:highlight>
+                  <a:srgbClr val="FFFFFF"/>
+                </a:highlight>
+                <a:latin typeface="Consolas" panose="020B0609020204030204" pitchFamily="49" charset="0"/>
+              </a:rPr>
+              <a:t> F()</a:t>
+            </a:r>
+          </a:p>
+          <a:p>
+            <a:pPr marL="76200" indent="0">
+              <a:spcBef>
+                <a:spcPts val="0"/>
+              </a:spcBef>
+              <a:buNone/>
+              <a:defRPr/>
+            </a:pPr>
             <a:r>
               <a:rPr lang="es-AR" sz="2000" dirty="0">
                 <a:solidFill>
@@ -16458,19 +16468,40 @@
                 </a:highlight>
                 <a:latin typeface="Consolas" panose="020B0609020204030204" pitchFamily="49" charset="0"/>
               </a:rPr>
-              <a:t> : </a:t>
-            </a:r>
+              <a:t>    {</a:t>
+            </a:r>
+          </a:p>
+          <a:p>
+            <a:pPr marL="76200" indent="0">
+              <a:spcBef>
+                <a:spcPts val="0"/>
+              </a:spcBef>
+              <a:buNone/>
+              <a:defRPr/>
+            </a:pPr>
             <a:r>
               <a:rPr lang="es-AR" sz="2000" dirty="0">
                 <a:solidFill>
-                  <a:srgbClr val="2B91AF"/>
-                </a:solidFill>
-                <a:highlight>
-                  <a:srgbClr val="FFFFFF"/>
-                </a:highlight>
-                <a:latin typeface="Consolas" panose="020B0609020204030204" pitchFamily="49" charset="0"/>
-              </a:rPr>
-              <a:t>A</a:t>
+                  <a:srgbClr val="000000"/>
+                </a:solidFill>
+                <a:highlight>
+                  <a:srgbClr val="FFFFFF"/>
+                </a:highlight>
+                <a:latin typeface="Consolas" panose="020B0609020204030204" pitchFamily="49" charset="0"/>
+              </a:rPr>
+              <a:t>        </a:t>
+            </a:r>
+            <a:r>
+              <a:rPr lang="es-AR" sz="2000" dirty="0">
+                <a:solidFill>
+                  <a:srgbClr val="008000"/>
+                </a:solidFill>
+                <a:highlight>
+                  <a:srgbClr val="FFFFFF"/>
+                </a:highlight>
+                <a:latin typeface="Consolas" panose="020B0609020204030204" pitchFamily="49" charset="0"/>
+              </a:rPr>
+              <a:t>// Implementación real de F</a:t>
             </a:r>
             <a:endParaRPr lang="es-AR" sz="2000" dirty="0">
               <a:solidFill>
@@ -16491,26 +16522,17 @@
               <a:defRPr/>
             </a:pPr>
             <a:r>
-              <a:rPr lang="es-AR" sz="2000" dirty="0" smtClean="0">
-                <a:solidFill>
-                  <a:srgbClr val="000000"/>
-                </a:solidFill>
-                <a:highlight>
-                  <a:srgbClr val="FFFFFF"/>
-                </a:highlight>
-                <a:latin typeface="Consolas" panose="020B0609020204030204" pitchFamily="49" charset="0"/>
-              </a:rPr>
-              <a:t>{</a:t>
-            </a:r>
-            <a:endParaRPr lang="es-AR" sz="2000" dirty="0">
-              <a:solidFill>
-                <a:srgbClr val="000000"/>
-              </a:solidFill>
-              <a:highlight>
-                <a:srgbClr val="FFFFFF"/>
-              </a:highlight>
-              <a:latin typeface="Consolas" panose="020B0609020204030204" pitchFamily="49" charset="0"/>
-            </a:endParaRPr>
+              <a:rPr lang="es-AR" sz="2000" dirty="0">
+                <a:solidFill>
+                  <a:srgbClr val="000000"/>
+                </a:solidFill>
+                <a:highlight>
+                  <a:srgbClr val="FFFFFF"/>
+                </a:highlight>
+                <a:latin typeface="Consolas" panose="020B0609020204030204" pitchFamily="49" charset="0"/>
+              </a:rPr>
+              <a:t>    }</a:t>
+            </a:r>
           </a:p>
           <a:p>
             <a:pPr marL="76200" indent="0">
@@ -16530,447 +16552,9 @@
                 </a:highlight>
                 <a:latin typeface="Consolas" panose="020B0609020204030204" pitchFamily="49" charset="0"/>
               </a:rPr>
-              <a:t>    </a:t>
-            </a:r>
-            <a:r>
-              <a:rPr lang="es-AR" sz="2000" dirty="0" err="1" smtClean="0">
-                <a:solidFill>
-                  <a:srgbClr val="0000FF"/>
-                </a:solidFill>
-                <a:highlight>
-                  <a:srgbClr val="FFFFFF"/>
-                </a:highlight>
-                <a:latin typeface="Consolas" panose="020B0609020204030204" pitchFamily="49" charset="0"/>
-              </a:rPr>
-              <a:t>public</a:t>
-            </a:r>
-            <a:r>
-              <a:rPr lang="es-AR" sz="2000" dirty="0" smtClean="0">
-                <a:solidFill>
-                  <a:srgbClr val="000000"/>
-                </a:solidFill>
-                <a:highlight>
-                  <a:srgbClr val="FFFFFF"/>
-                </a:highlight>
-                <a:latin typeface="Consolas" panose="020B0609020204030204" pitchFamily="49" charset="0"/>
-              </a:rPr>
-              <a:t> </a:t>
-            </a:r>
-            <a:r>
-              <a:rPr lang="es-AR" sz="2000" dirty="0" err="1">
-                <a:solidFill>
-                  <a:srgbClr val="0000FF"/>
-                </a:solidFill>
-                <a:highlight>
-                  <a:srgbClr val="FFFFFF"/>
-                </a:highlight>
-                <a:latin typeface="Consolas" panose="020B0609020204030204" pitchFamily="49" charset="0"/>
-              </a:rPr>
-              <a:t>void</a:t>
-            </a:r>
-            <a:r>
-              <a:rPr lang="es-AR" sz="2000" dirty="0">
-                <a:solidFill>
-                  <a:srgbClr val="000000"/>
-                </a:solidFill>
-                <a:highlight>
-                  <a:srgbClr val="FFFFFF"/>
-                </a:highlight>
-                <a:latin typeface="Consolas" panose="020B0609020204030204" pitchFamily="49" charset="0"/>
-              </a:rPr>
-              <a:t> G() { }</a:t>
-            </a:r>
-          </a:p>
-          <a:p>
-            <a:pPr marL="76200" indent="0">
-              <a:spcBef>
-                <a:spcPts val="0"/>
-              </a:spcBef>
-              <a:buNone/>
-              <a:defRPr/>
-            </a:pPr>
-            <a:r>
-              <a:rPr lang="es-AR" sz="2000" dirty="0" smtClean="0">
-                <a:solidFill>
-                  <a:srgbClr val="000000"/>
-                </a:solidFill>
-                <a:highlight>
-                  <a:srgbClr val="FFFFFF"/>
-                </a:highlight>
-                <a:latin typeface="Consolas" panose="020B0609020204030204" pitchFamily="49" charset="0"/>
-              </a:rPr>
               <a:t>}</a:t>
             </a:r>
-            <a:endParaRPr lang="es-AR" sz="2000" dirty="0">
-              <a:solidFill>
-                <a:srgbClr val="000000"/>
-              </a:solidFill>
-              <a:highlight>
-                <a:srgbClr val="FFFFFF"/>
-              </a:highlight>
-              <a:latin typeface="Consolas" panose="020B0609020204030204" pitchFamily="49" charset="0"/>
-            </a:endParaRPr>
-          </a:p>
-          <a:p>
-            <a:pPr marL="76200" indent="0">
-              <a:spcBef>
-                <a:spcPts val="0"/>
-              </a:spcBef>
-              <a:buNone/>
-              <a:defRPr/>
-            </a:pPr>
-            <a:r>
-              <a:rPr lang="es-AR" sz="2000" dirty="0" err="1" smtClean="0">
-                <a:solidFill>
-                  <a:srgbClr val="0000FF"/>
-                </a:solidFill>
-                <a:highlight>
-                  <a:srgbClr val="FFFFFF"/>
-                </a:highlight>
-                <a:latin typeface="Consolas" panose="020B0609020204030204" pitchFamily="49" charset="0"/>
-              </a:rPr>
-              <a:t>class</a:t>
-            </a:r>
-            <a:r>
-              <a:rPr lang="es-AR" sz="2000" dirty="0" smtClean="0">
-                <a:solidFill>
-                  <a:srgbClr val="000000"/>
-                </a:solidFill>
-                <a:highlight>
-                  <a:srgbClr val="FFFFFF"/>
-                </a:highlight>
-                <a:latin typeface="Consolas" panose="020B0609020204030204" pitchFamily="49" charset="0"/>
-              </a:rPr>
-              <a:t> </a:t>
-            </a:r>
-            <a:r>
-              <a:rPr lang="es-AR" sz="2000" dirty="0">
-                <a:solidFill>
-                  <a:srgbClr val="2B91AF"/>
-                </a:solidFill>
-                <a:highlight>
-                  <a:srgbClr val="FFFFFF"/>
-                </a:highlight>
-                <a:latin typeface="Consolas" panose="020B0609020204030204" pitchFamily="49" charset="0"/>
-              </a:rPr>
-              <a:t>C</a:t>
-            </a:r>
-            <a:r>
-              <a:rPr lang="es-AR" sz="2000" dirty="0">
-                <a:solidFill>
-                  <a:srgbClr val="000000"/>
-                </a:solidFill>
-                <a:highlight>
-                  <a:srgbClr val="FFFFFF"/>
-                </a:highlight>
-                <a:latin typeface="Consolas" panose="020B0609020204030204" pitchFamily="49" charset="0"/>
-              </a:rPr>
-              <a:t> : </a:t>
-            </a:r>
-            <a:r>
-              <a:rPr lang="es-AR" sz="2000" dirty="0">
-                <a:solidFill>
-                  <a:srgbClr val="2B91AF"/>
-                </a:solidFill>
-                <a:highlight>
-                  <a:srgbClr val="FFFFFF"/>
-                </a:highlight>
-                <a:latin typeface="Consolas" panose="020B0609020204030204" pitchFamily="49" charset="0"/>
-              </a:rPr>
-              <a:t>B</a:t>
-            </a:r>
-            <a:endParaRPr lang="es-AR" sz="2000" dirty="0">
-              <a:solidFill>
-                <a:srgbClr val="000000"/>
-              </a:solidFill>
-              <a:highlight>
-                <a:srgbClr val="FFFFFF"/>
-              </a:highlight>
-              <a:latin typeface="Consolas" panose="020B0609020204030204" pitchFamily="49" charset="0"/>
-            </a:endParaRPr>
-          </a:p>
-          <a:p>
-            <a:pPr marL="76200" indent="0">
-              <a:spcBef>
-                <a:spcPts val="0"/>
-              </a:spcBef>
-              <a:buNone/>
-              <a:defRPr/>
-            </a:pPr>
-            <a:r>
-              <a:rPr lang="es-AR" sz="2000" dirty="0" smtClean="0">
-                <a:solidFill>
-                  <a:srgbClr val="000000"/>
-                </a:solidFill>
-                <a:highlight>
-                  <a:srgbClr val="FFFFFF"/>
-                </a:highlight>
-                <a:latin typeface="Consolas" panose="020B0609020204030204" pitchFamily="49" charset="0"/>
-              </a:rPr>
-              <a:t>{</a:t>
-            </a:r>
-            <a:endParaRPr lang="es-AR" sz="2000" dirty="0">
-              <a:solidFill>
-                <a:srgbClr val="000000"/>
-              </a:solidFill>
-              <a:highlight>
-                <a:srgbClr val="FFFFFF"/>
-              </a:highlight>
-              <a:latin typeface="Consolas" panose="020B0609020204030204" pitchFamily="49" charset="0"/>
-            </a:endParaRPr>
-          </a:p>
-          <a:p>
-            <a:pPr marL="76200" indent="0">
-              <a:spcBef>
-                <a:spcPts val="0"/>
-              </a:spcBef>
-              <a:buNone/>
-              <a:defRPr/>
-            </a:pPr>
-            <a:r>
-              <a:rPr lang="es-AR" sz="2000" dirty="0">
-                <a:solidFill>
-                  <a:srgbClr val="000000"/>
-                </a:solidFill>
-                <a:highlight>
-                  <a:srgbClr val="FFFFFF"/>
-                </a:highlight>
-                <a:latin typeface="Consolas" panose="020B0609020204030204" pitchFamily="49" charset="0"/>
-              </a:rPr>
-              <a:t>    </a:t>
-            </a:r>
-            <a:r>
-              <a:rPr lang="es-AR" sz="2000" dirty="0" err="1" smtClean="0">
-                <a:solidFill>
-                  <a:srgbClr val="0000FF"/>
-                </a:solidFill>
-                <a:highlight>
-                  <a:srgbClr val="FFFFFF"/>
-                </a:highlight>
-                <a:latin typeface="Consolas" panose="020B0609020204030204" pitchFamily="49" charset="0"/>
-              </a:rPr>
-              <a:t>public</a:t>
-            </a:r>
-            <a:r>
-              <a:rPr lang="es-AR" sz="2000" dirty="0" smtClean="0">
-                <a:solidFill>
-                  <a:srgbClr val="000000"/>
-                </a:solidFill>
-                <a:highlight>
-                  <a:srgbClr val="FFFFFF"/>
-                </a:highlight>
-                <a:latin typeface="Consolas" panose="020B0609020204030204" pitchFamily="49" charset="0"/>
-              </a:rPr>
-              <a:t> </a:t>
-            </a:r>
-            <a:r>
-              <a:rPr lang="es-AR" sz="2000" dirty="0" err="1">
-                <a:solidFill>
-                  <a:srgbClr val="0000FF"/>
-                </a:solidFill>
-                <a:highlight>
-                  <a:srgbClr val="FFFFFF"/>
-                </a:highlight>
-                <a:latin typeface="Consolas" panose="020B0609020204030204" pitchFamily="49" charset="0"/>
-              </a:rPr>
-              <a:t>override</a:t>
-            </a:r>
-            <a:r>
-              <a:rPr lang="es-AR" sz="2000" dirty="0">
-                <a:solidFill>
-                  <a:srgbClr val="000000"/>
-                </a:solidFill>
-                <a:highlight>
-                  <a:srgbClr val="FFFFFF"/>
-                </a:highlight>
-                <a:latin typeface="Consolas" panose="020B0609020204030204" pitchFamily="49" charset="0"/>
-              </a:rPr>
-              <a:t> </a:t>
-            </a:r>
-            <a:r>
-              <a:rPr lang="es-AR" sz="2000" dirty="0" err="1">
-                <a:solidFill>
-                  <a:srgbClr val="0000FF"/>
-                </a:solidFill>
-                <a:highlight>
-                  <a:srgbClr val="FFFFFF"/>
-                </a:highlight>
-                <a:latin typeface="Consolas" panose="020B0609020204030204" pitchFamily="49" charset="0"/>
-              </a:rPr>
-              <a:t>void</a:t>
-            </a:r>
-            <a:r>
-              <a:rPr lang="es-AR" sz="2000" dirty="0">
-                <a:solidFill>
-                  <a:srgbClr val="000000"/>
-                </a:solidFill>
-                <a:highlight>
-                  <a:srgbClr val="FFFFFF"/>
-                </a:highlight>
-                <a:latin typeface="Consolas" panose="020B0609020204030204" pitchFamily="49" charset="0"/>
-              </a:rPr>
-              <a:t> F()</a:t>
-            </a:r>
-          </a:p>
-          <a:p>
-            <a:pPr marL="76200" indent="0">
-              <a:spcBef>
-                <a:spcPts val="0"/>
-              </a:spcBef>
-              <a:buNone/>
-              <a:defRPr/>
-            </a:pPr>
-            <a:r>
-              <a:rPr lang="es-AR" sz="2000" dirty="0">
-                <a:solidFill>
-                  <a:srgbClr val="000000"/>
-                </a:solidFill>
-                <a:highlight>
-                  <a:srgbClr val="FFFFFF"/>
-                </a:highlight>
-                <a:latin typeface="Consolas" panose="020B0609020204030204" pitchFamily="49" charset="0"/>
-              </a:rPr>
-              <a:t>    </a:t>
-            </a:r>
-            <a:r>
-              <a:rPr lang="es-AR" sz="2000" dirty="0" smtClean="0">
-                <a:solidFill>
-                  <a:srgbClr val="000000"/>
-                </a:solidFill>
-                <a:highlight>
-                  <a:srgbClr val="FFFFFF"/>
-                </a:highlight>
-                <a:latin typeface="Consolas" panose="020B0609020204030204" pitchFamily="49" charset="0"/>
-              </a:rPr>
-              <a:t>{</a:t>
-            </a:r>
-            <a:endParaRPr lang="es-AR" sz="2000" dirty="0">
-              <a:solidFill>
-                <a:srgbClr val="000000"/>
-              </a:solidFill>
-              <a:highlight>
-                <a:srgbClr val="FFFFFF"/>
-              </a:highlight>
-              <a:latin typeface="Consolas" panose="020B0609020204030204" pitchFamily="49" charset="0"/>
-            </a:endParaRPr>
-          </a:p>
-          <a:p>
-            <a:pPr marL="76200" indent="0">
-              <a:spcBef>
-                <a:spcPts val="0"/>
-              </a:spcBef>
-              <a:buNone/>
-              <a:defRPr/>
-            </a:pPr>
-            <a:r>
-              <a:rPr lang="es-AR" sz="2000" dirty="0">
-                <a:solidFill>
-                  <a:srgbClr val="000000"/>
-                </a:solidFill>
-                <a:highlight>
-                  <a:srgbClr val="FFFFFF"/>
-                </a:highlight>
-                <a:latin typeface="Consolas" panose="020B0609020204030204" pitchFamily="49" charset="0"/>
-              </a:rPr>
-              <a:t>        </a:t>
-            </a:r>
-            <a:r>
-              <a:rPr lang="es-AR" sz="2000" dirty="0" smtClean="0">
-                <a:solidFill>
-                  <a:srgbClr val="008000"/>
-                </a:solidFill>
-                <a:highlight>
-                  <a:srgbClr val="FFFFFF"/>
-                </a:highlight>
-                <a:latin typeface="Consolas" panose="020B0609020204030204" pitchFamily="49" charset="0"/>
-              </a:rPr>
-              <a:t>// Implementación real de </a:t>
-            </a:r>
-            <a:r>
-              <a:rPr lang="es-AR" sz="2000" dirty="0">
-                <a:solidFill>
-                  <a:srgbClr val="008000"/>
-                </a:solidFill>
-                <a:highlight>
-                  <a:srgbClr val="FFFFFF"/>
-                </a:highlight>
-                <a:latin typeface="Consolas" panose="020B0609020204030204" pitchFamily="49" charset="0"/>
-              </a:rPr>
-              <a:t>F</a:t>
-            </a:r>
-            <a:endParaRPr lang="es-AR" sz="2000" dirty="0">
-              <a:solidFill>
-                <a:srgbClr val="000000"/>
-              </a:solidFill>
-              <a:highlight>
-                <a:srgbClr val="FFFFFF"/>
-              </a:highlight>
-              <a:latin typeface="Consolas" panose="020B0609020204030204" pitchFamily="49" charset="0"/>
-            </a:endParaRPr>
-          </a:p>
-          <a:p>
-            <a:pPr marL="76200" indent="0">
-              <a:spcBef>
-                <a:spcPts val="0"/>
-              </a:spcBef>
-              <a:buNone/>
-              <a:defRPr/>
-            </a:pPr>
-            <a:r>
-              <a:rPr lang="es-AR" sz="2000" dirty="0">
-                <a:solidFill>
-                  <a:srgbClr val="000000"/>
-                </a:solidFill>
-                <a:highlight>
-                  <a:srgbClr val="FFFFFF"/>
-                </a:highlight>
-                <a:latin typeface="Consolas" panose="020B0609020204030204" pitchFamily="49" charset="0"/>
-              </a:rPr>
-              <a:t>    </a:t>
-            </a:r>
-            <a:r>
-              <a:rPr lang="es-AR" sz="2000" dirty="0" smtClean="0">
-                <a:solidFill>
-                  <a:srgbClr val="000000"/>
-                </a:solidFill>
-                <a:highlight>
-                  <a:srgbClr val="FFFFFF"/>
-                </a:highlight>
-                <a:latin typeface="Consolas" panose="020B0609020204030204" pitchFamily="49" charset="0"/>
-              </a:rPr>
-              <a:t>}</a:t>
-            </a:r>
-            <a:endParaRPr lang="es-AR" sz="2000" dirty="0">
-              <a:solidFill>
-                <a:srgbClr val="000000"/>
-              </a:solidFill>
-              <a:highlight>
-                <a:srgbClr val="FFFFFF"/>
-              </a:highlight>
-              <a:latin typeface="Consolas" panose="020B0609020204030204" pitchFamily="49" charset="0"/>
-            </a:endParaRPr>
-          </a:p>
-          <a:p>
-            <a:pPr marL="76200" indent="0">
-              <a:spcBef>
-                <a:spcPts val="0"/>
-              </a:spcBef>
-              <a:buNone/>
-              <a:defRPr/>
-            </a:pPr>
-            <a:r>
-              <a:rPr lang="es-AR" sz="2000" dirty="0" smtClean="0">
-                <a:solidFill>
-                  <a:srgbClr val="000000"/>
-                </a:solidFill>
-                <a:highlight>
-                  <a:srgbClr val="FFFFFF"/>
-                </a:highlight>
-                <a:latin typeface="Consolas" panose="020B0609020204030204" pitchFamily="49" charset="0"/>
-              </a:rPr>
-              <a:t>}</a:t>
-            </a:r>
-            <a:endParaRPr kumimoji="0" lang="es-AR" sz="2000" b="0" i="0" u="none" strike="noStrike" kern="0" cap="none" spc="0" normalizeH="0" baseline="0" noProof="0" dirty="0" smtClean="0">
+            <a:endParaRPr kumimoji="0" lang="es-AR" sz="2000" b="0" i="0" u="none" strike="noStrike" kern="0" cap="none" spc="0" normalizeH="0" baseline="0" noProof="0" dirty="0">
               <a:ln>
                 <a:noFill/>
               </a:ln>
@@ -17034,10 +16618,9 @@
           <a:lstStyle/>
           <a:p>
             <a:r>
-              <a:rPr lang="es-AR" dirty="0" smtClean="0"/>
+              <a:rPr lang="es-AR" dirty="0"/>
               <a:t>Miembros abstractos</a:t>
             </a:r>
-            <a:endParaRPr lang="es-AR" dirty="0"/>
           </a:p>
         </p:txBody>
       </p:sp>
@@ -17298,20 +16881,7 @@
                 </a:effectLst>
                 <a:latin typeface="Franklin Gothic Medium" panose="020B0603020102020204" pitchFamily="34" charset="0"/>
               </a:rPr>
-              <a:t>Debido a que un método abstracto no proporciona una implementación real, el cuerpo-del-método de un método abstracto consiste simplemente en un punto y coma</a:t>
-            </a:r>
-            <a:r>
-              <a:rPr lang="es-AR" dirty="0" smtClean="0">
-                <a:effectLst>
-                  <a:outerShdw blurRad="38100" dist="38100" dir="2700000" algn="tl">
-                    <a:srgbClr val="000000">
-                      <a:alpha val="43137"/>
-                    </a:srgbClr>
-                  </a:outerShdw>
-                </a:effectLst>
-                <a:latin typeface="Franklin Gothic Medium" panose="020B0603020102020204" pitchFamily="34" charset="0"/>
-              </a:rPr>
-              <a:t>.</a:t>
+              <a:t>Debido a que un método abstracto no proporciona una implementación real, el cuerpo-del-método de un método abstracto consiste simplemente en un punto y coma.</a:t>
             </a:r>
           </a:p>
           <a:p>
@@ -17467,7 +17037,7 @@
               <a:t>// </a:t>
             </a:r>
             <a:r>
-              <a:rPr lang="es-AR" dirty="0" err="1" smtClean="0">
+              <a:rPr lang="es-AR" dirty="0" err="1">
                 <a:solidFill>
                   <a:srgbClr val="008000"/>
                 </a:solidFill>
@@ -17492,7 +17062,7 @@
             <a:pPr>
               <a:defRPr/>
             </a:pPr>
-            <a:endParaRPr lang="es-AR" dirty="0" smtClean="0">
+            <a:endParaRPr lang="es-AR" dirty="0">
               <a:solidFill>
                 <a:srgbClr val="0000FF"/>
               </a:solidFill>
@@ -17507,7 +17077,7 @@
               <a:defRPr/>
             </a:pPr>
             <a:r>
-              <a:rPr lang="es-AR" dirty="0" err="1" smtClean="0">
+              <a:rPr lang="es-AR" dirty="0" err="1">
                 <a:solidFill>
                   <a:srgbClr val="0000FF"/>
                 </a:solidFill>
@@ -17519,7 +17089,7 @@
               <a:t>public</a:t>
             </a:r>
             <a:r>
-              <a:rPr lang="es-AR" dirty="0" smtClean="0">
+              <a:rPr lang="es-AR" dirty="0">
                 <a:solidFill>
                   <a:srgbClr val="000000"/>
                 </a:solidFill>
@@ -17605,7 +17175,7 @@
               <a:defRPr/>
             </a:pPr>
             <a:r>
-              <a:rPr lang="es-AR" dirty="0" smtClean="0">
+              <a:rPr lang="es-AR" dirty="0">
                 <a:solidFill>
                   <a:srgbClr val="000000"/>
                 </a:solidFill>
@@ -17616,22 +17186,13 @@
               </a:rPr>
               <a:t>{</a:t>
             </a:r>
-            <a:endParaRPr lang="es-AR" dirty="0">
-              <a:solidFill>
-                <a:srgbClr val="000000"/>
-              </a:solidFill>
-              <a:highlight>
-                <a:srgbClr val="FFFFFF"/>
-              </a:highlight>
-              <a:latin typeface="Consolas" panose="020B0609020204030204" pitchFamily="49" charset="0"/>
-            </a:endParaRPr>
           </a:p>
           <a:p>
             <a:pPr>
               <a:defRPr/>
             </a:pPr>
             <a:r>
-              <a:rPr lang="es-AR" dirty="0" smtClean="0">
+              <a:rPr lang="es-AR" dirty="0">
                 <a:solidFill>
                   <a:srgbClr val="000000"/>
                 </a:solidFill>
@@ -17712,19 +17273,7 @@
                 </a:highlight>
                 <a:latin typeface="Consolas" panose="020B0609020204030204" pitchFamily="49" charset="0"/>
               </a:rPr>
-              <a:t> </a:t>
-            </a:r>
-            <a:r>
-              <a:rPr lang="es-AR" dirty="0">
-                <a:solidFill>
-                  <a:srgbClr val="000000"/>
-                </a:solidFill>
-                <a:highlight>
-                  <a:srgbClr val="FFFFFF"/>
-                </a:highlight>
-                <a:latin typeface="Consolas" panose="020B0609020204030204" pitchFamily="49" charset="0"/>
-              </a:rPr>
-              <a:t>Pintar(</a:t>
+              <a:t> Pintar(</a:t>
             </a:r>
             <a:r>
               <a:rPr lang="es-AR" dirty="0" err="1">
@@ -17748,19 +17297,7 @@
                 </a:highlight>
                 <a:latin typeface="Consolas" panose="020B0609020204030204" pitchFamily="49" charset="0"/>
               </a:rPr>
-              <a:t> </a:t>
-            </a:r>
-            <a:r>
-              <a:rPr lang="es-AR" dirty="0">
-                <a:solidFill>
-                  <a:srgbClr val="000000"/>
-                </a:solidFill>
-                <a:highlight>
-                  <a:srgbClr val="FFFFFF"/>
-                </a:highlight>
-                <a:latin typeface="Consolas" panose="020B0609020204030204" pitchFamily="49" charset="0"/>
-              </a:rPr>
-              <a:t>g, </a:t>
+              <a:t> g, </a:t>
             </a:r>
             <a:r>
               <a:rPr lang="es-AR" dirty="0" err="1">
@@ -17784,19 +17321,7 @@
                 </a:highlight>
                 <a:latin typeface="Consolas" panose="020B0609020204030204" pitchFamily="49" charset="0"/>
               </a:rPr>
-              <a:t> r</a:t>
-            </a:r>
-            <a:r>
-              <a:rPr lang="es-AR" dirty="0">
-                <a:solidFill>
-                  <a:srgbClr val="000000"/>
-                </a:solidFill>
-                <a:highlight>
-                  <a:srgbClr val="FFFFFF"/>
-                </a:highlight>
-                <a:latin typeface="Consolas" panose="020B0609020204030204" pitchFamily="49" charset="0"/>
-              </a:rPr>
-              <a:t>);</a:t>
+              <a:t> r);</a:t>
             </a:r>
           </a:p>
           <a:p>
@@ -17818,7 +17343,7 @@
               <a:defRPr/>
             </a:pPr>
             <a:r>
-              <a:rPr lang="es-AR" dirty="0" smtClean="0">
+              <a:rPr lang="es-AR" dirty="0">
                 <a:solidFill>
                   <a:srgbClr val="000000"/>
                 </a:solidFill>
@@ -17949,22 +17474,13 @@
               </a:rPr>
               <a:t>; }</a:t>
             </a:r>
-            <a:endParaRPr lang="es-AR" dirty="0">
-              <a:solidFill>
-                <a:srgbClr val="000000"/>
-              </a:solidFill>
-              <a:highlight>
-                <a:srgbClr val="FFFFFF"/>
-              </a:highlight>
-              <a:latin typeface="Consolas" panose="020B0609020204030204" pitchFamily="49" charset="0"/>
-            </a:endParaRPr>
           </a:p>
           <a:p>
             <a:pPr>
               <a:defRPr/>
             </a:pPr>
             <a:r>
-              <a:rPr lang="es-AR" dirty="0" smtClean="0">
+              <a:rPr lang="es-AR" dirty="0">
                 <a:solidFill>
                   <a:srgbClr val="000000"/>
                 </a:solidFill>
